--- a/slides/Tag-2_2-Bestandteile_Components.pptx
+++ b/slides/Tag-2_2-Bestandteile_Components.pptx
@@ -188,10 +188,6 @@
     </p:ext>
   </p:extLst>
 </p:presentation>
-</file>
-
-<file path=ppt/revisionInfo.xml><?xml version="1.0" encoding="utf-8"?>
-<p1510:revInfo xmlns:a="http://schemas.openxmlformats.org/drawingml/2006/main" xmlns:r="http://schemas.openxmlformats.org/officeDocument/2006/relationships" xmlns:p1510="http://schemas.microsoft.com/office/powerpoint/2015/10/main"/>
 </file>
 
 <file path=ppt/handoutMasters/handoutMaster1.xml><?xml version="1.0" encoding="utf-8"?>
@@ -5107,7 +5103,7 @@
               <a:pPr algn="ctr">
                 <a:defRPr/>
               </a:pPr>
-              <a:t>16.06.2017</a:t>
+              <a:t>12.03.2019</a:t>
             </a:fld>
             <a:endParaRPr lang="de-DE" sz="1000" dirty="0">
               <a:solidFill>
@@ -11305,7 +11301,7 @@
                 <a:latin typeface="Consolas" panose="020B0609020204030204" pitchFamily="49" charset="0"/>
                 <a:cs typeface="Consolas" panose="020B0609020204030204" pitchFamily="49" charset="0"/>
               </a:rPr>
-              <a:t>&lt;Person&gt;(</a:t>
+              <a:t>&lt;&gt;(</a:t>
             </a:r>
             <a:r>
               <a:rPr lang="de-DE" altLang="de-DE" sz="1400" dirty="0" err="1">

--- a/slides/Tag-2_2-Bestandteile_Components.pptx
+++ b/slides/Tag-2_2-Bestandteile_Components.pptx
@@ -5103,7 +5103,7 @@
               <a:pPr algn="ctr">
                 <a:defRPr/>
               </a:pPr>
-              <a:t>12.03.2019</a:t>
+              <a:t>15.03.2019</a:t>
             </a:fld>
             <a:endParaRPr lang="de-DE" sz="1000" dirty="0">
               <a:solidFill>
@@ -12120,6 +12120,15 @@
               </a:rPr>
               <a:t>};</a:t>
             </a:r>
+          </a:p>
+          <a:p>
+            <a:pPr marL="400050" lvl="1" indent="0">
+              <a:spcBef>
+                <a:spcPct val="0"/>
+              </a:spcBef>
+              <a:buClrTx/>
+              <a:buNone/>
+            </a:pPr>
             <a:br>
               <a:rPr lang="de-DE" altLang="de-DE" sz="1400" dirty="0">
                 <a:solidFill>

--- a/slides/Tag-2_2-Bestandteile_Components.pptx
+++ b/slides/Tag-2_2-Bestandteile_Components.pptx
@@ -7013,6 +7013,10 @@
             <a:endParaRPr lang="de-DE" sz="2000" b="1" dirty="0"/>
           </a:p>
           <a:p>
+            <a:pPr>
+              <a:buFont typeface="Arial" panose="020B0604020202020204" pitchFamily="34" charset="0"/>
+              <a:buChar char="•"/>
+            </a:pPr>
             <a:r>
               <a:rPr lang="de-DE" sz="2000" dirty="0"/>
               <a:t>HTML: Page</a:t>
@@ -7508,6 +7512,10 @@
             <a:endParaRPr lang="de-DE" sz="2000" b="1" dirty="0"/>
           </a:p>
           <a:p>
+            <a:pPr>
+              <a:buFont typeface="Arial" panose="020B0604020202020204" pitchFamily="34" charset="0"/>
+              <a:buChar char="•"/>
+            </a:pPr>
             <a:r>
               <a:rPr lang="de-DE" sz="2000" dirty="0"/>
               <a:t>Java: Page</a:t>
@@ -7926,12 +7934,20 @@
             </a:r>
           </a:p>
           <a:p>
+            <a:pPr>
+              <a:buFont typeface="Arial" panose="020B0604020202020204" pitchFamily="34" charset="0"/>
+              <a:buChar char="•"/>
+            </a:pPr>
             <a:r>
               <a:rPr lang="de-DE" sz="2000" dirty="0"/>
               <a:t>Mehrfaches Anzeigen von Elementen</a:t>
             </a:r>
           </a:p>
           <a:p>
+            <a:pPr>
+              <a:buFont typeface="Arial" panose="020B0604020202020204" pitchFamily="34" charset="0"/>
+              <a:buChar char="•"/>
+            </a:pPr>
             <a:r>
               <a:rPr lang="de-DE" sz="2000" dirty="0">
                 <a:solidFill>
@@ -7944,6 +7960,10 @@
             </a:r>
           </a:p>
           <a:p>
+            <a:pPr>
+              <a:buFont typeface="Arial" panose="020B0604020202020204" pitchFamily="34" charset="0"/>
+              <a:buChar char="•"/>
+            </a:pPr>
             <a:r>
               <a:rPr lang="de-DE" sz="2000" dirty="0">
                 <a:solidFill>
@@ -7973,7 +7993,10 @@
             </a:endParaRPr>
           </a:p>
           <a:p>
-            <a:pPr lvl="1"/>
+            <a:pPr lvl="1">
+              <a:buFont typeface="Arial" panose="020B0604020202020204" pitchFamily="34" charset="0"/>
+              <a:buChar char="•"/>
+            </a:pPr>
             <a:r>
               <a:rPr lang="de-DE" sz="1600" dirty="0" err="1">
                 <a:solidFill>
@@ -7993,7 +8016,10 @@
             </a:endParaRPr>
           </a:p>
           <a:p>
-            <a:pPr lvl="1"/>
+            <a:pPr lvl="1">
+              <a:buFont typeface="Arial" panose="020B0604020202020204" pitchFamily="34" charset="0"/>
+              <a:buChar char="•"/>
+            </a:pPr>
             <a:r>
               <a:rPr lang="de-DE" sz="1600" dirty="0" err="1">
                 <a:solidFill>
@@ -8013,7 +8039,10 @@
             </a:endParaRPr>
           </a:p>
           <a:p>
-            <a:pPr lvl="1"/>
+            <a:pPr lvl="1">
+              <a:buFont typeface="Arial" panose="020B0604020202020204" pitchFamily="34" charset="0"/>
+              <a:buChar char="•"/>
+            </a:pPr>
             <a:r>
               <a:rPr lang="de-DE" sz="1600" dirty="0" err="1">
                 <a:solidFill>
@@ -8115,6 +8144,10 @@
             <a:endParaRPr lang="de-DE" sz="2000" b="1" dirty="0"/>
           </a:p>
           <a:p>
+            <a:pPr>
+              <a:buFont typeface="Arial" panose="020B0604020202020204" pitchFamily="34" charset="0"/>
+              <a:buChar char="•"/>
+            </a:pPr>
             <a:r>
               <a:rPr lang="de-DE" sz="2000" dirty="0"/>
               <a:t>Wiederholung eines einfachen Markup-Fragments</a:t>
@@ -8130,6 +8163,10 @@
             </a:endParaRPr>
           </a:p>
           <a:p>
+            <a:pPr>
+              <a:buFont typeface="Arial" panose="020B0604020202020204" pitchFamily="34" charset="0"/>
+              <a:buChar char="•"/>
+            </a:pPr>
             <a:r>
               <a:rPr lang="de-DE" sz="2000" dirty="0">
                 <a:solidFill>
@@ -8356,7 +8393,10 @@
             </a:endParaRPr>
           </a:p>
           <a:p>
-            <a:pPr marL="285750"/>
+            <a:pPr marL="285750">
+              <a:buFont typeface="Arial" panose="020B0604020202020204" pitchFamily="34" charset="0"/>
+              <a:buChar char="•"/>
+            </a:pPr>
             <a:r>
               <a:rPr lang="de-DE" altLang="de-DE" sz="2000" dirty="0">
                 <a:solidFill>
@@ -8973,12 +9013,20 @@
             <a:endParaRPr lang="de-DE" sz="2000" b="1" dirty="0"/>
           </a:p>
           <a:p>
+            <a:pPr>
+              <a:buFont typeface="Arial" panose="020B0604020202020204" pitchFamily="34" charset="0"/>
+              <a:buChar char="•"/>
+            </a:pPr>
             <a:r>
               <a:rPr lang="de-DE" sz="2000" dirty="0"/>
               <a:t>Darstellung komplexeren Markups</a:t>
             </a:r>
           </a:p>
           <a:p>
+            <a:pPr>
+              <a:buFont typeface="Arial" panose="020B0604020202020204" pitchFamily="34" charset="0"/>
+              <a:buChar char="•"/>
+            </a:pPr>
             <a:r>
               <a:rPr lang="de-DE" sz="2000" dirty="0"/>
               <a:t>Jedes Element wird zu eigenem </a:t>
@@ -8993,6 +9041,10 @@
             <a:endParaRPr lang="de-DE" sz="2000" dirty="0"/>
           </a:p>
           <a:p>
+            <a:pPr>
+              <a:buFont typeface="Arial" panose="020B0604020202020204" pitchFamily="34" charset="0"/>
+              <a:buChar char="•"/>
+            </a:pPr>
             <a:r>
               <a:rPr lang="de-DE" sz="2000" dirty="0"/>
               <a:t>HTML</a:t>
@@ -9486,6 +9538,10 @@
             <a:endParaRPr lang="de-DE" sz="2000" b="1" dirty="0"/>
           </a:p>
           <a:p>
+            <a:pPr>
+              <a:buFont typeface="Arial" panose="020B0604020202020204" pitchFamily="34" charset="0"/>
+              <a:buChar char="•"/>
+            </a:pPr>
             <a:r>
               <a:rPr lang="de-DE" sz="2000" dirty="0"/>
               <a:t>Java</a:t>
@@ -10436,12 +10492,20 @@
             <a:endParaRPr lang="de-DE" sz="2000" b="1" dirty="0"/>
           </a:p>
           <a:p>
+            <a:pPr>
+              <a:buFont typeface="Arial" panose="020B0604020202020204" pitchFamily="34" charset="0"/>
+              <a:buChar char="•"/>
+            </a:pPr>
             <a:r>
               <a:rPr lang="de-DE" sz="2000" dirty="0"/>
               <a:t>Effiziente Darstellung großer Datenmengen</a:t>
             </a:r>
           </a:p>
           <a:p>
+            <a:pPr>
+              <a:buFont typeface="Arial" panose="020B0604020202020204" pitchFamily="34" charset="0"/>
+              <a:buChar char="•"/>
+            </a:pPr>
             <a:r>
               <a:rPr lang="de-DE" sz="2000" dirty="0" err="1"/>
               <a:t>DataProvider</a:t>
@@ -10449,7 +10513,10 @@
             <a:endParaRPr lang="de-DE" sz="2000" dirty="0"/>
           </a:p>
           <a:p>
-            <a:pPr lvl="1"/>
+            <a:pPr lvl="1">
+              <a:buFont typeface="Arial" panose="020B0604020202020204" pitchFamily="34" charset="0"/>
+              <a:buChar char="•"/>
+            </a:pPr>
             <a:r>
               <a:rPr lang="de-DE" sz="1600" dirty="0" err="1"/>
               <a:t>Paging</a:t>
@@ -10465,7 +10532,10 @@
             <a:endParaRPr lang="de-DE" sz="1600" dirty="0"/>
           </a:p>
           <a:p>
-            <a:pPr lvl="1"/>
+            <a:pPr lvl="1">
+              <a:buFont typeface="Arial" panose="020B0604020202020204" pitchFamily="34" charset="0"/>
+              <a:buChar char="•"/>
+            </a:pPr>
             <a:r>
               <a:rPr lang="de-DE" sz="1600" dirty="0" err="1"/>
               <a:t>ListDataProvider</a:t>
@@ -10473,7 +10543,10 @@
             <a:endParaRPr lang="de-DE" sz="1600" dirty="0"/>
           </a:p>
           <a:p>
-            <a:pPr lvl="1"/>
+            <a:pPr lvl="1">
+              <a:buFont typeface="Arial" panose="020B0604020202020204" pitchFamily="34" charset="0"/>
+              <a:buChar char="•"/>
+            </a:pPr>
             <a:r>
               <a:rPr lang="de-DE" sz="1600" dirty="0" err="1"/>
               <a:t>SortableDataProvider</a:t>
@@ -10487,6 +10560,10 @@
             <a:endParaRPr lang="de-DE" sz="2000" dirty="0"/>
           </a:p>
           <a:p>
+            <a:pPr>
+              <a:buFont typeface="Arial" panose="020B0604020202020204" pitchFamily="34" charset="0"/>
+              <a:buChar char="•"/>
+            </a:pPr>
             <a:r>
               <a:rPr lang="de-DE" sz="2000" dirty="0"/>
               <a:t>HTML</a:t>
@@ -11120,6 +11197,10 @@
             <a:endParaRPr lang="de-DE" sz="2000" dirty="0"/>
           </a:p>
           <a:p>
+            <a:pPr>
+              <a:buFont typeface="Arial" panose="020B0604020202020204" pitchFamily="34" charset="0"/>
+              <a:buChar char="•"/>
+            </a:pPr>
             <a:r>
               <a:rPr lang="de-DE" sz="2000" dirty="0"/>
               <a:t>Java</a:t>
@@ -12271,12 +12352,20 @@
             </a:r>
           </a:p>
           <a:p>
+            <a:pPr>
+              <a:buFont typeface="Arial" panose="020B0604020202020204" pitchFamily="34" charset="0"/>
+              <a:buChar char="•"/>
+            </a:pPr>
             <a:r>
               <a:rPr lang="de-DE" sz="2000" dirty="0"/>
               <a:t>Dynamische Ausgabe von Zeichenketten</a:t>
             </a:r>
           </a:p>
           <a:p>
+            <a:pPr>
+              <a:buFont typeface="Arial" panose="020B0604020202020204" pitchFamily="34" charset="0"/>
+              <a:buChar char="•"/>
+            </a:pPr>
             <a:r>
               <a:rPr lang="de-DE" sz="2000" dirty="0"/>
               <a:t>Convenience-Konstruktor ohne Model</a:t>
@@ -12289,6 +12378,10 @@
             <a:endParaRPr lang="de-DE" sz="2000" dirty="0"/>
           </a:p>
           <a:p>
+            <a:pPr>
+              <a:buFont typeface="Arial" panose="020B0604020202020204" pitchFamily="34" charset="0"/>
+              <a:buChar char="•"/>
+            </a:pPr>
             <a:r>
               <a:rPr lang="de-DE" sz="2000" dirty="0"/>
               <a:t>HTML</a:t>
@@ -12462,6 +12555,10 @@
             </a:endParaRPr>
           </a:p>
           <a:p>
+            <a:pPr>
+              <a:buFont typeface="Arial" panose="020B0604020202020204" pitchFamily="34" charset="0"/>
+              <a:buChar char="•"/>
+            </a:pPr>
             <a:r>
               <a:rPr lang="de-DE" altLang="de-DE" sz="2000" dirty="0">
                 <a:solidFill>
@@ -12688,12 +12785,20 @@
             </a:r>
           </a:p>
           <a:p>
+            <a:pPr>
+              <a:buFont typeface="Arial" panose="020B0604020202020204" pitchFamily="34" charset="0"/>
+              <a:buChar char="•"/>
+            </a:pPr>
             <a:r>
               <a:rPr lang="de-DE" sz="2000" dirty="0"/>
               <a:t>Wiederverwendbare Container für Komponenten</a:t>
             </a:r>
           </a:p>
           <a:p>
+            <a:pPr>
+              <a:buFont typeface="Arial" panose="020B0604020202020204" pitchFamily="34" charset="0"/>
+              <a:buChar char="•"/>
+            </a:pPr>
             <a:r>
               <a:rPr lang="de-DE" sz="2000" dirty="0">
                 <a:solidFill>
@@ -12826,6 +12931,10 @@
             </a:r>
           </a:p>
           <a:p>
+            <a:pPr>
+              <a:buFont typeface="Arial" panose="020B0604020202020204" pitchFamily="34" charset="0"/>
+              <a:buChar char="•"/>
+            </a:pPr>
             <a:r>
               <a:rPr lang="de-DE" sz="2000" dirty="0"/>
               <a:t>HTML: Panel</a:t>
@@ -13328,6 +13437,10 @@
             </a:r>
           </a:p>
           <a:p>
+            <a:pPr>
+              <a:buFont typeface="Arial" panose="020B0604020202020204" pitchFamily="34" charset="0"/>
+              <a:buChar char="•"/>
+            </a:pPr>
             <a:r>
               <a:rPr lang="de-DE" sz="2000" dirty="0"/>
               <a:t>Java: Panel</a:t>
@@ -14381,6 +14494,10 @@
             </a:r>
           </a:p>
           <a:p>
+            <a:pPr>
+              <a:buFont typeface="Arial" panose="020B0604020202020204" pitchFamily="34" charset="0"/>
+              <a:buChar char="•"/>
+            </a:pPr>
             <a:r>
               <a:rPr lang="de-DE" sz="2000" dirty="0"/>
               <a:t>Java: Page</a:t>
@@ -15109,34 +15226,50 @@
             <a:endParaRPr lang="de-DE" sz="2000" b="1" dirty="0"/>
           </a:p>
           <a:p>
+            <a:pPr>
+              <a:buFont typeface="Arial" panose="020B0604020202020204" pitchFamily="34" charset="0"/>
+              <a:buChar char="•"/>
+            </a:pPr>
             <a:r>
               <a:rPr lang="de-DE" sz="2000" dirty="0"/>
               <a:t>Vorgabe eines gemeinsamen Rahmens</a:t>
             </a:r>
           </a:p>
           <a:p>
-            <a:pPr lvl="1"/>
+            <a:pPr lvl="1">
+              <a:buFont typeface="Arial" panose="020B0604020202020204" pitchFamily="34" charset="0"/>
+              <a:buChar char="•"/>
+            </a:pPr>
             <a:r>
               <a:rPr lang="de-DE" sz="1600" dirty="0"/>
               <a:t>Header</a:t>
             </a:r>
           </a:p>
           <a:p>
-            <a:pPr lvl="1"/>
+            <a:pPr lvl="1">
+              <a:buFont typeface="Arial" panose="020B0604020202020204" pitchFamily="34" charset="0"/>
+              <a:buChar char="•"/>
+            </a:pPr>
             <a:r>
               <a:rPr lang="de-DE" sz="1600" dirty="0"/>
               <a:t>Navigation</a:t>
             </a:r>
           </a:p>
           <a:p>
-            <a:pPr lvl="1"/>
+            <a:pPr lvl="1">
+              <a:buFont typeface="Arial" panose="020B0604020202020204" pitchFamily="34" charset="0"/>
+              <a:buChar char="•"/>
+            </a:pPr>
             <a:r>
               <a:rPr lang="de-DE" sz="1600" dirty="0"/>
               <a:t>Content</a:t>
             </a:r>
           </a:p>
           <a:p>
-            <a:pPr lvl="1"/>
+            <a:pPr lvl="1">
+              <a:buFont typeface="Arial" panose="020B0604020202020204" pitchFamily="34" charset="0"/>
+              <a:buChar char="•"/>
+            </a:pPr>
             <a:r>
               <a:rPr lang="de-DE" sz="1600" dirty="0" err="1"/>
               <a:t>Footer</a:t>
@@ -15144,6 +15277,10 @@
             <a:endParaRPr lang="de-DE" sz="1600" dirty="0"/>
           </a:p>
           <a:p>
+            <a:pPr>
+              <a:buFont typeface="Arial" panose="020B0604020202020204" pitchFamily="34" charset="0"/>
+              <a:buChar char="•"/>
+            </a:pPr>
             <a:r>
               <a:rPr lang="de-DE" sz="2000" dirty="0">
                 <a:solidFill>
@@ -15156,7 +15293,10 @@
             </a:r>
           </a:p>
           <a:p>
-            <a:pPr lvl="1"/>
+            <a:pPr lvl="1">
+              <a:buFont typeface="Arial" panose="020B0604020202020204" pitchFamily="34" charset="0"/>
+              <a:buChar char="•"/>
+            </a:pPr>
             <a:r>
               <a:rPr lang="de-DE" sz="1600" dirty="0">
                 <a:solidFill>
@@ -15169,7 +15309,10 @@
             </a:r>
           </a:p>
           <a:p>
-            <a:pPr lvl="1"/>
+            <a:pPr lvl="1">
+              <a:buFont typeface="Arial" panose="020B0604020202020204" pitchFamily="34" charset="0"/>
+              <a:buChar char="•"/>
+            </a:pPr>
             <a:r>
               <a:rPr lang="de-DE" sz="1600" dirty="0">
                 <a:solidFill>
@@ -15182,7 +15325,10 @@
             </a:r>
           </a:p>
           <a:p>
-            <a:pPr lvl="1"/>
+            <a:pPr lvl="1">
+              <a:buFont typeface="Arial" panose="020B0604020202020204" pitchFamily="34" charset="0"/>
+              <a:buChar char="•"/>
+            </a:pPr>
             <a:r>
               <a:rPr lang="de-DE" sz="1600" dirty="0" err="1">
                 <a:solidFill>
@@ -15222,7 +15368,10 @@
             </a:endParaRPr>
           </a:p>
           <a:p>
-            <a:pPr lvl="1"/>
+            <a:pPr lvl="1">
+              <a:buFont typeface="Arial" panose="020B0604020202020204" pitchFamily="34" charset="0"/>
+              <a:buChar char="•"/>
+            </a:pPr>
             <a:r>
               <a:rPr lang="de-DE" sz="1600" dirty="0" err="1">
                 <a:solidFill>
@@ -15245,6 +15394,10 @@
             </a:r>
           </a:p>
           <a:p>
+            <a:pPr>
+              <a:buFont typeface="Arial" panose="020B0604020202020204" pitchFamily="34" charset="0"/>
+              <a:buChar char="•"/>
+            </a:pPr>
             <a:r>
               <a:rPr lang="de-DE" sz="2000" dirty="0">
                 <a:solidFill>
@@ -15257,7 +15410,10 @@
             </a:r>
           </a:p>
           <a:p>
-            <a:pPr lvl="1"/>
+            <a:pPr lvl="1">
+              <a:buFont typeface="Arial" panose="020B0604020202020204" pitchFamily="34" charset="0"/>
+              <a:buChar char="•"/>
+            </a:pPr>
             <a:r>
               <a:rPr lang="de-DE" sz="1600" dirty="0" err="1">
                 <a:solidFill>
@@ -15277,7 +15433,10 @@
             </a:endParaRPr>
           </a:p>
           <a:p>
-            <a:pPr lvl="1"/>
+            <a:pPr lvl="1">
+              <a:buFont typeface="Arial" panose="020B0604020202020204" pitchFamily="34" charset="0"/>
+              <a:buChar char="•"/>
+            </a:pPr>
             <a:r>
               <a:rPr lang="de-DE" sz="1600" dirty="0" err="1">
                 <a:solidFill>
@@ -15388,6 +15547,10 @@
             <a:endParaRPr lang="de-DE" sz="2000" b="1" dirty="0"/>
           </a:p>
           <a:p>
+            <a:pPr>
+              <a:buFont typeface="Arial" panose="020B0604020202020204" pitchFamily="34" charset="0"/>
+              <a:buChar char="•"/>
+            </a:pPr>
             <a:r>
               <a:rPr lang="de-DE" sz="2000" dirty="0"/>
               <a:t>HTML: Template Page</a:t>
@@ -16509,6 +16672,10 @@
             <a:endParaRPr lang="de-DE" sz="2000" b="1" dirty="0"/>
           </a:p>
           <a:p>
+            <a:pPr>
+              <a:buFont typeface="Arial" panose="020B0604020202020204" pitchFamily="34" charset="0"/>
+              <a:buChar char="•"/>
+            </a:pPr>
             <a:r>
               <a:rPr lang="de-DE" sz="2000" dirty="0"/>
               <a:t>Java: Template Page</a:t>

--- a/slides/Tag-2_2-Bestandteile_Components.pptx
+++ b/slides/Tag-2_2-Bestandteile_Components.pptx
@@ -5103,7 +5103,7 @@
               <a:pPr algn="ctr">
                 <a:defRPr/>
               </a:pPr>
-              <a:t>15.03.2019</a:t>
+              <a:t>27.02.2020</a:t>
             </a:fld>
             <a:endParaRPr lang="de-DE" sz="1000" dirty="0">
               <a:solidFill>
@@ -16847,6 +16847,16 @@
               <a:t>private </a:t>
             </a:r>
             <a:r>
+              <a:rPr lang="de-DE" altLang="de-DE" sz="1600" dirty="0">
+                <a:solidFill>
+                  <a:srgbClr val="000000"/>
+                </a:solidFill>
+                <a:latin typeface="Consolas" panose="020B0609020204030204" pitchFamily="49" charset="0"/>
+                <a:cs typeface="Consolas" panose="020B0609020204030204" pitchFamily="49" charset="0"/>
+              </a:rPr>
+              <a:t>Panel </a:t>
+            </a:r>
+            <a:r>
               <a:rPr lang="de-DE" altLang="de-DE" sz="1600" dirty="0" err="1">
                 <a:solidFill>
                   <a:srgbClr val="000000"/>
@@ -16854,17 +16864,56 @@
                 <a:latin typeface="Consolas" panose="020B0609020204030204" pitchFamily="49" charset="0"/>
                 <a:cs typeface="Consolas" panose="020B0609020204030204" pitchFamily="49" charset="0"/>
               </a:rPr>
-              <a:t>Component</a:t>
-            </a:r>
-            <a:r>
-              <a:rPr lang="de-DE" altLang="de-DE" sz="1600" dirty="0">
-                <a:solidFill>
-                  <a:srgbClr val="000000"/>
-                </a:solidFill>
-                <a:latin typeface="Consolas" panose="020B0609020204030204" pitchFamily="49" charset="0"/>
-                <a:cs typeface="Consolas" panose="020B0609020204030204" pitchFamily="49" charset="0"/>
-              </a:rPr>
-              <a:t> </a:t>
+              <a:t>headerPanel</a:t>
+            </a:r>
+            <a:r>
+              <a:rPr lang="de-DE" altLang="de-DE" sz="1600" dirty="0">
+                <a:solidFill>
+                  <a:srgbClr val="000000"/>
+                </a:solidFill>
+                <a:latin typeface="Consolas" panose="020B0609020204030204" pitchFamily="49" charset="0"/>
+                <a:cs typeface="Consolas" panose="020B0609020204030204" pitchFamily="49" charset="0"/>
+              </a:rPr>
+              <a:t>;</a:t>
+            </a:r>
+            <a:br>
+              <a:rPr lang="de-DE" altLang="de-DE" sz="1600" dirty="0">
+                <a:solidFill>
+                  <a:srgbClr val="000000"/>
+                </a:solidFill>
+                <a:latin typeface="Consolas" panose="020B0609020204030204" pitchFamily="49" charset="0"/>
+                <a:cs typeface="Consolas" panose="020B0609020204030204" pitchFamily="49" charset="0"/>
+              </a:rPr>
+            </a:br>
+            <a:r>
+              <a:rPr lang="de-DE" altLang="de-DE" sz="1600" dirty="0">
+                <a:solidFill>
+                  <a:srgbClr val="000000"/>
+                </a:solidFill>
+                <a:latin typeface="Consolas" panose="020B0609020204030204" pitchFamily="49" charset="0"/>
+                <a:cs typeface="Consolas" panose="020B0609020204030204" pitchFamily="49" charset="0"/>
+              </a:rPr>
+              <a:t>    </a:t>
+            </a:r>
+            <a:r>
+              <a:rPr lang="de-DE" altLang="de-DE" sz="1600" b="1" dirty="0">
+                <a:solidFill>
+                  <a:srgbClr val="000080"/>
+                </a:solidFill>
+                <a:latin typeface="Consolas" panose="020B0609020204030204" pitchFamily="49" charset="0"/>
+                <a:cs typeface="Consolas" panose="020B0609020204030204" pitchFamily="49" charset="0"/>
+              </a:rPr>
+              <a:t>private </a:t>
+            </a:r>
+            <a:r>
+              <a:rPr lang="de-DE" altLang="de-DE" sz="1600" dirty="0">
+                <a:solidFill>
+                  <a:srgbClr val="000000"/>
+                </a:solidFill>
+                <a:latin typeface="Consolas" panose="020B0609020204030204" pitchFamily="49" charset="0"/>
+                <a:cs typeface="Consolas" panose="020B0609020204030204" pitchFamily="49" charset="0"/>
+              </a:rPr>
+              <a:t>Panel </a:t>
             </a:r>
             <a:r>
               <a:rPr lang="de-DE" altLang="de-DE" sz="1600" dirty="0" err="1">
@@ -16874,7 +16923,7 @@
                 <a:latin typeface="Consolas" panose="020B0609020204030204" pitchFamily="49" charset="0"/>
                 <a:cs typeface="Consolas" panose="020B0609020204030204" pitchFamily="49" charset="0"/>
               </a:rPr>
-              <a:t>headerPanel</a:t>
+              <a:t>menuPanel</a:t>
             </a:r>
             <a:r>
               <a:rPr lang="de-DE" altLang="de-DE" sz="1600" dirty="0">
@@ -16916,93 +16965,14 @@
               <a:t>private </a:t>
             </a:r>
             <a:r>
-              <a:rPr lang="de-DE" altLang="de-DE" sz="1600" dirty="0" err="1">
-                <a:solidFill>
-                  <a:srgbClr val="000000"/>
-                </a:solidFill>
-                <a:latin typeface="Consolas" panose="020B0609020204030204" pitchFamily="49" charset="0"/>
-                <a:cs typeface="Consolas" panose="020B0609020204030204" pitchFamily="49" charset="0"/>
-              </a:rPr>
-              <a:t>Component</a:t>
-            </a:r>
-            <a:r>
-              <a:rPr lang="de-DE" altLang="de-DE" sz="1600" dirty="0">
-                <a:solidFill>
-                  <a:srgbClr val="000000"/>
-                </a:solidFill>
-                <a:latin typeface="Consolas" panose="020B0609020204030204" pitchFamily="49" charset="0"/>
-                <a:cs typeface="Consolas" panose="020B0609020204030204" pitchFamily="49" charset="0"/>
-              </a:rPr>
-              <a:t> </a:t>
-            </a:r>
-            <a:r>
-              <a:rPr lang="de-DE" altLang="de-DE" sz="1600" dirty="0" err="1">
-                <a:solidFill>
-                  <a:srgbClr val="000000"/>
-                </a:solidFill>
-                <a:latin typeface="Consolas" panose="020B0609020204030204" pitchFamily="49" charset="0"/>
-                <a:cs typeface="Consolas" panose="020B0609020204030204" pitchFamily="49" charset="0"/>
-              </a:rPr>
-              <a:t>menuPanel</a:t>
-            </a:r>
-            <a:r>
-              <a:rPr lang="de-DE" altLang="de-DE" sz="1600" dirty="0">
-                <a:solidFill>
-                  <a:srgbClr val="000000"/>
-                </a:solidFill>
-                <a:latin typeface="Consolas" panose="020B0609020204030204" pitchFamily="49" charset="0"/>
-                <a:cs typeface="Consolas" panose="020B0609020204030204" pitchFamily="49" charset="0"/>
-              </a:rPr>
-              <a:t>;</a:t>
-            </a:r>
-            <a:br>
-              <a:rPr lang="de-DE" altLang="de-DE" sz="1600" dirty="0">
-                <a:solidFill>
-                  <a:srgbClr val="000000"/>
-                </a:solidFill>
-                <a:latin typeface="Consolas" panose="020B0609020204030204" pitchFamily="49" charset="0"/>
-                <a:cs typeface="Consolas" panose="020B0609020204030204" pitchFamily="49" charset="0"/>
-              </a:rPr>
-            </a:br>
-            <a:r>
-              <a:rPr lang="de-DE" altLang="de-DE" sz="1600" dirty="0">
-                <a:solidFill>
-                  <a:srgbClr val="000000"/>
-                </a:solidFill>
-                <a:latin typeface="Consolas" panose="020B0609020204030204" pitchFamily="49" charset="0"/>
-                <a:cs typeface="Consolas" panose="020B0609020204030204" pitchFamily="49" charset="0"/>
-              </a:rPr>
-              <a:t>    </a:t>
-            </a:r>
-            <a:r>
-              <a:rPr lang="de-DE" altLang="de-DE" sz="1600" b="1" dirty="0">
-                <a:solidFill>
-                  <a:srgbClr val="000080"/>
-                </a:solidFill>
-                <a:latin typeface="Consolas" panose="020B0609020204030204" pitchFamily="49" charset="0"/>
-                <a:cs typeface="Consolas" panose="020B0609020204030204" pitchFamily="49" charset="0"/>
-              </a:rPr>
-              <a:t>private </a:t>
-            </a:r>
-            <a:r>
-              <a:rPr lang="de-DE" altLang="de-DE" sz="1600" dirty="0" err="1">
-                <a:solidFill>
-                  <a:srgbClr val="000000"/>
-                </a:solidFill>
-                <a:latin typeface="Consolas" panose="020B0609020204030204" pitchFamily="49" charset="0"/>
-                <a:cs typeface="Consolas" panose="020B0609020204030204" pitchFamily="49" charset="0"/>
-              </a:rPr>
-              <a:t>Component</a:t>
-            </a:r>
-            <a:r>
-              <a:rPr lang="de-DE" altLang="de-DE" sz="1600" dirty="0">
-                <a:solidFill>
-                  <a:srgbClr val="000000"/>
-                </a:solidFill>
-                <a:latin typeface="Consolas" panose="020B0609020204030204" pitchFamily="49" charset="0"/>
-                <a:cs typeface="Consolas" panose="020B0609020204030204" pitchFamily="49" charset="0"/>
-              </a:rPr>
-              <a:t> </a:t>
+              <a:rPr lang="de-DE" altLang="de-DE" sz="1600" dirty="0">
+                <a:solidFill>
+                  <a:srgbClr val="000000"/>
+                </a:solidFill>
+                <a:latin typeface="Consolas" panose="020B0609020204030204" pitchFamily="49" charset="0"/>
+                <a:cs typeface="Consolas" panose="020B0609020204030204" pitchFamily="49" charset="0"/>
+              </a:rPr>
+              <a:t>Panel </a:t>
             </a:r>
             <a:r>
               <a:rPr lang="de-DE" altLang="de-DE" sz="1600" dirty="0" err="1">

--- a/slides/Tag-2_2-Bestandteile_Components.pptx
+++ b/slides/Tag-2_2-Bestandteile_Components.pptx
@@ -5103,7 +5103,7 @@
               <a:pPr algn="ctr">
                 <a:defRPr/>
               </a:pPr>
-              <a:t>27.02.2020</a:t>
+              <a:t>28.02.2020</a:t>
             </a:fld>
             <a:endParaRPr lang="de-DE" sz="1000" dirty="0">
               <a:solidFill>
@@ -7714,7 +7714,7 @@
                 <a:latin typeface="Consolas" panose="020B0609020204030204" pitchFamily="49" charset="0"/>
                 <a:cs typeface="Consolas" panose="020B0609020204030204" pitchFamily="49" charset="0"/>
               </a:rPr>
-              <a:t>(){</a:t>
+              <a:t>() {</a:t>
             </a:r>
             <a:br>
               <a:rPr lang="de-DE" altLang="de-DE" sz="1600" dirty="0">
@@ -8637,6 +8637,26 @@
               <a:t>(), </a:t>
             </a:r>
             <a:r>
+              <a:rPr lang="de-DE" altLang="de-DE" sz="1600" dirty="0" err="1">
+                <a:solidFill>
+                  <a:srgbClr val="000000"/>
+                </a:solidFill>
+                <a:latin typeface="Consolas" panose="020B0609020204030204" pitchFamily="49" charset="0"/>
+                <a:cs typeface="Consolas" panose="020B0609020204030204" pitchFamily="49" charset="0"/>
+              </a:rPr>
+              <a:t>Model.of</a:t>
+            </a:r>
+            <a:r>
+              <a:rPr lang="de-DE" altLang="de-DE" sz="1600" dirty="0">
+                <a:solidFill>
+                  <a:srgbClr val="000000"/>
+                </a:solidFill>
+                <a:latin typeface="Consolas" panose="020B0609020204030204" pitchFamily="49" charset="0"/>
+                <a:cs typeface="Consolas" panose="020B0609020204030204" pitchFamily="49" charset="0"/>
+              </a:rPr>
+              <a:t>(</a:t>
+            </a:r>
+            <a:r>
               <a:rPr lang="de-DE" altLang="de-DE" sz="1600" b="1" dirty="0">
                 <a:solidFill>
                   <a:srgbClr val="008000"/>
@@ -8674,7 +8694,7 @@
                 <a:latin typeface="Consolas" panose="020B0609020204030204" pitchFamily="49" charset="0"/>
                 <a:cs typeface="Consolas" panose="020B0609020204030204" pitchFamily="49" charset="0"/>
               </a:rPr>
-              <a:t>));</a:t>
+              <a:t>)));</a:t>
             </a:r>
             <a:br>
               <a:rPr lang="de-DE" altLang="de-DE" sz="1600" dirty="0">
@@ -8756,6 +8776,26 @@
               <a:t>(), </a:t>
             </a:r>
             <a:r>
+              <a:rPr lang="de-DE" altLang="de-DE" sz="1600" dirty="0" err="1">
+                <a:solidFill>
+                  <a:srgbClr val="000000"/>
+                </a:solidFill>
+                <a:latin typeface="Consolas" panose="020B0609020204030204" pitchFamily="49" charset="0"/>
+                <a:cs typeface="Consolas" panose="020B0609020204030204" pitchFamily="49" charset="0"/>
+              </a:rPr>
+              <a:t>Model.of</a:t>
+            </a:r>
+            <a:r>
+              <a:rPr lang="de-DE" altLang="de-DE" sz="1600" dirty="0">
+                <a:solidFill>
+                  <a:srgbClr val="000000"/>
+                </a:solidFill>
+                <a:latin typeface="Consolas" panose="020B0609020204030204" pitchFamily="49" charset="0"/>
+                <a:cs typeface="Consolas" panose="020B0609020204030204" pitchFamily="49" charset="0"/>
+              </a:rPr>
+              <a:t>(</a:t>
+            </a:r>
+            <a:r>
               <a:rPr lang="de-DE" altLang="de-DE" sz="1600" b="1" dirty="0">
                 <a:solidFill>
                   <a:srgbClr val="008000"/>
@@ -8793,7 +8833,7 @@
                 <a:latin typeface="Consolas" panose="020B0609020204030204" pitchFamily="49" charset="0"/>
                 <a:cs typeface="Consolas" panose="020B0609020204030204" pitchFamily="49" charset="0"/>
               </a:rPr>
-              <a:t>));</a:t>
+              <a:t>)));</a:t>
             </a:r>
             <a:br>
               <a:rPr lang="de-DE" altLang="de-DE" sz="1600" dirty="0">
@@ -8875,6 +8915,26 @@
               <a:t>(), </a:t>
             </a:r>
             <a:r>
+              <a:rPr lang="de-DE" altLang="de-DE" sz="1600" dirty="0" err="1">
+                <a:solidFill>
+                  <a:srgbClr val="000000"/>
+                </a:solidFill>
+                <a:latin typeface="Consolas" panose="020B0609020204030204" pitchFamily="49" charset="0"/>
+                <a:cs typeface="Consolas" panose="020B0609020204030204" pitchFamily="49" charset="0"/>
+              </a:rPr>
+              <a:t>Model.of</a:t>
+            </a:r>
+            <a:r>
+              <a:rPr lang="de-DE" altLang="de-DE" sz="1600" dirty="0">
+                <a:solidFill>
+                  <a:srgbClr val="000000"/>
+                </a:solidFill>
+                <a:latin typeface="Consolas" panose="020B0609020204030204" pitchFamily="49" charset="0"/>
+                <a:cs typeface="Consolas" panose="020B0609020204030204" pitchFamily="49" charset="0"/>
+              </a:rPr>
+              <a:t>(</a:t>
+            </a:r>
+            <a:r>
               <a:rPr lang="de-DE" altLang="de-DE" sz="1600" b="1" dirty="0">
                 <a:solidFill>
                   <a:srgbClr val="008000"/>
@@ -8895,7 +8955,7 @@
               <a:t>red</a:t>
             </a:r>
             <a:r>
-              <a:rPr lang="de-DE" altLang="de-DE" sz="1600" b="1" dirty="0">
+              <a:rPr lang="de-DE" altLang="de-DE" sz="1600" b="1">
                 <a:solidFill>
                   <a:srgbClr val="008000"/>
                 </a:solidFill>
@@ -8905,15 +8965,22 @@
               <a:t>"</a:t>
             </a:r>
             <a:r>
-              <a:rPr lang="de-DE" altLang="de-DE" sz="1600" dirty="0">
-                <a:solidFill>
-                  <a:srgbClr val="000000"/>
-                </a:solidFill>
-                <a:latin typeface="Consolas" panose="020B0609020204030204" pitchFamily="49" charset="0"/>
-                <a:cs typeface="Consolas" panose="020B0609020204030204" pitchFamily="49" charset="0"/>
-              </a:rPr>
-              <a:t>));</a:t>
-            </a:r>
+              <a:rPr lang="de-DE" altLang="de-DE" sz="1600">
+                <a:solidFill>
+                  <a:srgbClr val="000000"/>
+                </a:solidFill>
+                <a:latin typeface="Consolas" panose="020B0609020204030204" pitchFamily="49" charset="0"/>
+                <a:cs typeface="Consolas" panose="020B0609020204030204" pitchFamily="49" charset="0"/>
+              </a:rPr>
+              <a:t>)));</a:t>
+            </a:r>
+            <a:endParaRPr lang="de-DE" altLang="de-DE" sz="1600" dirty="0">
+              <a:solidFill>
+                <a:srgbClr val="000000"/>
+              </a:solidFill>
+              <a:latin typeface="Consolas" panose="020B0609020204030204" pitchFamily="49" charset="0"/>
+              <a:cs typeface="Consolas" panose="020B0609020204030204" pitchFamily="49" charset="0"/>
+            </a:endParaRPr>
           </a:p>
           <a:p>
             <a:pPr marL="400050" lvl="1" indent="0">
@@ -9969,7 +10036,7 @@
                 <a:latin typeface="Consolas" panose="020B0609020204030204" pitchFamily="49" charset="0"/>
                 <a:cs typeface="Consolas" panose="020B0609020204030204" pitchFamily="49" charset="0"/>
               </a:rPr>
-              <a:t>){</a:t>
+              <a:t>) {</a:t>
             </a:r>
             <a:br>
               <a:rPr lang="de-DE" altLang="de-DE" sz="1600" dirty="0">
@@ -12672,7 +12739,27 @@
                 <a:latin typeface="Consolas" panose="020B0609020204030204" pitchFamily="49" charset="0"/>
                 <a:cs typeface="Consolas" panose="020B0609020204030204" pitchFamily="49" charset="0"/>
               </a:rPr>
-              <a:t>"GFU"</a:t>
+              <a:t>"</a:t>
+            </a:r>
+            <a:r>
+              <a:rPr lang="de-DE" altLang="de-DE" sz="1600" b="1" dirty="0" err="1">
+                <a:solidFill>
+                  <a:srgbClr val="008000"/>
+                </a:solidFill>
+                <a:latin typeface="Consolas" panose="020B0609020204030204" pitchFamily="49" charset="0"/>
+                <a:cs typeface="Consolas" panose="020B0609020204030204" pitchFamily="49" charset="0"/>
+              </a:rPr>
+              <a:t>anderScore</a:t>
+            </a:r>
+            <a:r>
+              <a:rPr lang="de-DE" altLang="de-DE" sz="1600" b="1" dirty="0">
+                <a:solidFill>
+                  <a:srgbClr val="008000"/>
+                </a:solidFill>
+                <a:latin typeface="Consolas" panose="020B0609020204030204" pitchFamily="49" charset="0"/>
+                <a:cs typeface="Consolas" panose="020B0609020204030204" pitchFamily="49" charset="0"/>
+              </a:rPr>
+              <a:t>"</a:t>
             </a:r>
             <a:r>
               <a:rPr lang="de-DE" altLang="de-DE" sz="1600" dirty="0">
@@ -17060,7 +17147,7 @@
                 <a:latin typeface="Consolas" panose="020B0609020204030204" pitchFamily="49" charset="0"/>
                 <a:cs typeface="Consolas" panose="020B0609020204030204" pitchFamily="49" charset="0"/>
               </a:rPr>
-              <a:t>(){</a:t>
+              <a:t>() {</a:t>
             </a:r>
             <a:br>
               <a:rPr lang="de-DE" altLang="de-DE" sz="1600" dirty="0">

--- a/slides/Tag-2_2-Bestandteile_Components.pptx
+++ b/slides/Tag-2_2-Bestandteile_Components.pptx
@@ -5103,7 +5103,7 @@
               <a:pPr algn="ctr">
                 <a:defRPr/>
               </a:pPr>
-              <a:t>28.02.2020</a:t>
+              <a:t>14.05.2021</a:t>
             </a:fld>
             <a:endParaRPr lang="de-DE" sz="1000" dirty="0">
               <a:solidFill>
@@ -5679,14 +5679,20 @@
               <a:defRPr/>
             </a:pPr>
             <a:r>
-              <a:rPr lang="de-DE" sz="1000" dirty="0">
+              <a:rPr lang="de-DE" sz="1000" dirty="0" smtClean="0">
                 <a:solidFill>
                   <a:schemeClr val="bg1"/>
                 </a:solidFill>
                 <a:latin typeface="Arial" charset="0"/>
               </a:rPr>
-              <a:t>Daniel Krämer</a:t>
-            </a:r>
+              <a:t>Patrick Möbius</a:t>
+            </a:r>
+            <a:endParaRPr lang="de-DE" sz="1000" dirty="0">
+              <a:solidFill>
+                <a:schemeClr val="bg1"/>
+              </a:solidFill>
+              <a:latin typeface="Arial" charset="0"/>
+            </a:endParaRPr>
           </a:p>
         </p:txBody>
       </p:sp>
@@ -6963,6 +6969,13 @@
   <p:clrMapOvr>
     <a:masterClrMapping/>
   </p:clrMapOvr>
+  <p:timing>
+    <p:tnLst>
+      <p:par>
+        <p:cTn id="1" dur="indefinite" restart="never" nodeType="tmRoot"/>
+      </p:par>
+    </p:tnLst>
+  </p:timing>
 </p:sld>
 </file>
 
@@ -7088,6 +7101,16 @@
                 <a:cs typeface="Consolas" panose="020B0609020204030204" pitchFamily="49" charset="0"/>
               </a:rPr>
             </a:br>
+            <a:r>
+              <a:rPr lang="de-DE" altLang="de-DE" sz="1600" dirty="0">
+                <a:solidFill>
+                  <a:srgbClr val="000000"/>
+                </a:solidFill>
+                <a:latin typeface="Consolas" panose="020B0609020204030204" pitchFamily="49" charset="0"/>
+                <a:cs typeface="Consolas" panose="020B0609020204030204" pitchFamily="49" charset="0"/>
+              </a:rPr>
+              <a:t/>
+            </a:r>
             <a:br>
               <a:rPr lang="de-DE" altLang="de-DE" sz="1600" dirty="0">
                 <a:solidFill>
@@ -7156,6 +7179,16 @@
                 <a:cs typeface="Consolas" panose="020B0609020204030204" pitchFamily="49" charset="0"/>
               </a:rPr>
             </a:br>
+            <a:r>
+              <a:rPr lang="de-DE" altLang="de-DE" sz="1600" dirty="0">
+                <a:solidFill>
+                  <a:srgbClr val="000000"/>
+                </a:solidFill>
+                <a:latin typeface="Consolas" panose="020B0609020204030204" pitchFamily="49" charset="0"/>
+                <a:cs typeface="Consolas" panose="020B0609020204030204" pitchFamily="49" charset="0"/>
+              </a:rPr>
+              <a:t/>
+            </a:r>
             <a:br>
               <a:rPr lang="de-DE" altLang="de-DE" sz="1600" dirty="0">
                 <a:solidFill>
@@ -7204,6 +7237,16 @@
                 <a:cs typeface="Consolas" panose="020B0609020204030204" pitchFamily="49" charset="0"/>
               </a:rPr>
             </a:br>
+            <a:r>
+              <a:rPr lang="de-DE" altLang="de-DE" sz="1600" dirty="0">
+                <a:solidFill>
+                  <a:srgbClr val="000000"/>
+                </a:solidFill>
+                <a:latin typeface="Consolas" panose="020B0609020204030204" pitchFamily="49" charset="0"/>
+                <a:cs typeface="Consolas" panose="020B0609020204030204" pitchFamily="49" charset="0"/>
+              </a:rPr>
+              <a:t/>
+            </a:r>
             <a:br>
               <a:rPr lang="de-DE" altLang="de-DE" sz="1600" dirty="0">
                 <a:solidFill>
@@ -7340,6 +7383,16 @@
                 <a:cs typeface="Consolas" panose="020B0609020204030204" pitchFamily="49" charset="0"/>
               </a:rPr>
             </a:br>
+            <a:r>
+              <a:rPr lang="de-DE" altLang="de-DE" sz="1600" dirty="0">
+                <a:solidFill>
+                  <a:srgbClr val="000000"/>
+                </a:solidFill>
+                <a:latin typeface="Consolas" panose="020B0609020204030204" pitchFamily="49" charset="0"/>
+                <a:cs typeface="Consolas" panose="020B0609020204030204" pitchFamily="49" charset="0"/>
+              </a:rPr>
+              <a:t/>
+            </a:r>
             <a:br>
               <a:rPr lang="de-DE" altLang="de-DE" sz="1600" dirty="0">
                 <a:solidFill>
@@ -7462,6 +7515,13 @@
   <p:clrMapOvr>
     <a:masterClrMapping/>
   </p:clrMapOvr>
+  <p:timing>
+    <p:tnLst>
+      <p:par>
+        <p:cTn id="1" dur="indefinite" restart="never" nodeType="tmRoot"/>
+      </p:par>
+    </p:tnLst>
+  </p:timing>
 </p:sld>
 </file>
 
@@ -7657,6 +7717,16 @@
                 <a:cs typeface="Consolas" panose="020B0609020204030204" pitchFamily="49" charset="0"/>
               </a:rPr>
             </a:br>
+            <a:r>
+              <a:rPr lang="de-DE" altLang="de-DE" sz="1600" dirty="0">
+                <a:solidFill>
+                  <a:srgbClr val="000000"/>
+                </a:solidFill>
+                <a:latin typeface="Consolas" panose="020B0609020204030204" pitchFamily="49" charset="0"/>
+                <a:cs typeface="Consolas" panose="020B0609020204030204" pitchFamily="49" charset="0"/>
+              </a:rPr>
+              <a:t/>
+            </a:r>
             <a:br>
               <a:rPr lang="de-DE" altLang="de-DE" sz="1600" dirty="0">
                 <a:solidFill>
@@ -7802,6 +7872,16 @@
                 <a:cs typeface="Consolas" panose="020B0609020204030204" pitchFamily="49" charset="0"/>
               </a:rPr>
               <a:t>// Gewünschte Komponenten einfügen</a:t>
+            </a:r>
+            <a:r>
+              <a:rPr lang="de-DE" altLang="de-DE" sz="1600" dirty="0">
+                <a:solidFill>
+                  <a:srgbClr val="000000"/>
+                </a:solidFill>
+                <a:latin typeface="Consolas" panose="020B0609020204030204" pitchFamily="49" charset="0"/>
+                <a:cs typeface="Consolas" panose="020B0609020204030204" pitchFamily="49" charset="0"/>
+              </a:rPr>
+              <a:t/>
             </a:r>
             <a:br>
               <a:rPr lang="de-DE" altLang="de-DE" sz="1600" dirty="0">
@@ -7885,6 +7965,13 @@
   <p:clrMapOvr>
     <a:masterClrMapping/>
   </p:clrMapOvr>
+  <p:timing>
+    <p:tnLst>
+      <p:par>
+        <p:cTn id="1" dur="indefinite" restart="never" nodeType="tmRoot"/>
+      </p:par>
+    </p:tnLst>
+  </p:timing>
 </p:sld>
 </file>
 
@@ -8094,6 +8181,13 @@
   <p:clrMapOvr>
     <a:masterClrMapping/>
   </p:clrMapOvr>
+  <p:timing>
+    <p:tnLst>
+      <p:par>
+        <p:cTn id="1" dur="indefinite" restart="never" nodeType="tmRoot"/>
+      </p:par>
+    </p:tnLst>
+  </p:timing>
 </p:sld>
 </file>
 
@@ -8557,6 +8651,16 @@
                 <a:cs typeface="Consolas" panose="020B0609020204030204" pitchFamily="49" charset="0"/>
               </a:rPr>
             </a:br>
+            <a:r>
+              <a:rPr lang="de-DE" altLang="de-DE" sz="1600" dirty="0">
+                <a:solidFill>
+                  <a:srgbClr val="000000"/>
+                </a:solidFill>
+                <a:latin typeface="Consolas" panose="020B0609020204030204" pitchFamily="49" charset="0"/>
+                <a:cs typeface="Consolas" panose="020B0609020204030204" pitchFamily="49" charset="0"/>
+              </a:rPr>
+              <a:t/>
+            </a:r>
             <a:br>
               <a:rPr lang="de-DE" altLang="de-DE" sz="1600" dirty="0">
                 <a:solidFill>
@@ -9030,6 +9134,13 @@
   <p:clrMapOvr>
     <a:masterClrMapping/>
   </p:clrMapOvr>
+  <p:timing>
+    <p:tnLst>
+      <p:par>
+        <p:cTn id="1" dur="indefinite" restart="never" nodeType="tmRoot"/>
+      </p:par>
+    </p:tnLst>
+  </p:timing>
 </p:sld>
 </file>
 
@@ -9555,6 +9666,13 @@
   <p:clrMapOvr>
     <a:masterClrMapping/>
   </p:clrMapOvr>
+  <p:timing>
+    <p:tnLst>
+      <p:par>
+        <p:cTn id="1" dur="indefinite" restart="never" nodeType="tmRoot"/>
+      </p:par>
+    </p:tnLst>
+  </p:timing>
 </p:sld>
 </file>
 
@@ -10047,6 +10165,16 @@
                 <a:cs typeface="Consolas" panose="020B0609020204030204" pitchFamily="49" charset="0"/>
               </a:rPr>
             </a:br>
+            <a:r>
+              <a:rPr lang="de-DE" altLang="de-DE" sz="1600" dirty="0">
+                <a:solidFill>
+                  <a:srgbClr val="000000"/>
+                </a:solidFill>
+                <a:latin typeface="Consolas" panose="020B0609020204030204" pitchFamily="49" charset="0"/>
+                <a:cs typeface="Consolas" panose="020B0609020204030204" pitchFamily="49" charset="0"/>
+              </a:rPr>
+              <a:t/>
+            </a:r>
             <a:br>
               <a:rPr lang="de-DE" altLang="de-DE" sz="1600" dirty="0">
                 <a:solidFill>
@@ -10075,6 +10203,16 @@
                 <a:cs typeface="Consolas" panose="020B0609020204030204" pitchFamily="49" charset="0"/>
               </a:rPr>
               <a:t>Override</a:t>
+            </a:r>
+            <a:r>
+              <a:rPr lang="de-DE" altLang="de-DE" sz="1600" dirty="0">
+                <a:solidFill>
+                  <a:srgbClr val="000000"/>
+                </a:solidFill>
+                <a:latin typeface="Consolas" panose="020B0609020204030204" pitchFamily="49" charset="0"/>
+                <a:cs typeface="Consolas" panose="020B0609020204030204" pitchFamily="49" charset="0"/>
+              </a:rPr>
+              <a:t/>
             </a:r>
             <a:br>
               <a:rPr lang="de-DE" altLang="de-DE" sz="1600" dirty="0">
@@ -10509,6 +10647,13 @@
   <p:clrMapOvr>
     <a:masterClrMapping/>
   </p:clrMapOvr>
+  <p:timing>
+    <p:tnLst>
+      <p:par>
+        <p:cTn id="1" dur="indefinite" restart="never" nodeType="tmRoot"/>
+      </p:par>
+    </p:tnLst>
+  </p:timing>
 </p:sld>
 </file>
 
@@ -11214,6 +11359,13 @@
   <p:clrMapOvr>
     <a:masterClrMapping/>
   </p:clrMapOvr>
+  <p:timing>
+    <p:tnLst>
+      <p:par>
+        <p:cTn id="1" dur="indefinite" restart="never" nodeType="tmRoot"/>
+      </p:par>
+    </p:tnLst>
+  </p:timing>
 </p:sld>
 </file>
 
@@ -11362,6 +11514,16 @@
               <a:buClrTx/>
               <a:buNone/>
             </a:pPr>
+            <a:r>
+              <a:rPr lang="de-DE" altLang="de-DE" sz="1400" dirty="0">
+                <a:solidFill>
+                  <a:srgbClr val="000000"/>
+                </a:solidFill>
+                <a:latin typeface="Consolas" panose="020B0609020204030204" pitchFamily="49" charset="0"/>
+                <a:cs typeface="Consolas" panose="020B0609020204030204" pitchFamily="49" charset="0"/>
+              </a:rPr>
+              <a:t/>
+            </a:r>
             <a:br>
               <a:rPr lang="de-DE" altLang="de-DE" sz="1400" dirty="0">
                 <a:solidFill>
@@ -11480,6 +11642,16 @@
                 <a:cs typeface="Consolas" panose="020B0609020204030204" pitchFamily="49" charset="0"/>
               </a:rPr>
             </a:br>
+            <a:r>
+              <a:rPr lang="de-DE" altLang="de-DE" sz="1400" dirty="0">
+                <a:solidFill>
+                  <a:srgbClr val="000000"/>
+                </a:solidFill>
+                <a:latin typeface="Consolas" panose="020B0609020204030204" pitchFamily="49" charset="0"/>
+                <a:cs typeface="Consolas" panose="020B0609020204030204" pitchFamily="49" charset="0"/>
+              </a:rPr>
+              <a:t/>
+            </a:r>
             <a:br>
               <a:rPr lang="de-DE" altLang="de-DE" sz="1400" dirty="0">
                 <a:solidFill>
@@ -11638,6 +11810,16 @@
                 <a:cs typeface="Consolas" panose="020B0609020204030204" pitchFamily="49" charset="0"/>
               </a:rPr>
             </a:br>
+            <a:r>
+              <a:rPr lang="de-DE" altLang="de-DE" sz="1400" dirty="0">
+                <a:solidFill>
+                  <a:srgbClr val="000000"/>
+                </a:solidFill>
+                <a:latin typeface="Consolas" panose="020B0609020204030204" pitchFamily="49" charset="0"/>
+                <a:cs typeface="Consolas" panose="020B0609020204030204" pitchFamily="49" charset="0"/>
+              </a:rPr>
+              <a:t/>
+            </a:r>
             <a:br>
               <a:rPr lang="de-DE" altLang="de-DE" sz="1400" dirty="0">
                 <a:solidFill>
@@ -11667,6 +11849,16 @@
               </a:rPr>
               <a:t>Override</a:t>
             </a:r>
+            <a:r>
+              <a:rPr lang="de-DE" altLang="de-DE" sz="1400" dirty="0">
+                <a:solidFill>
+                  <a:srgbClr val="000000"/>
+                </a:solidFill>
+                <a:latin typeface="Consolas" panose="020B0609020204030204" pitchFamily="49" charset="0"/>
+                <a:cs typeface="Consolas" panose="020B0609020204030204" pitchFamily="49" charset="0"/>
+              </a:rPr>
+              <a:t/>
+            </a:r>
             <a:br>
               <a:rPr lang="de-DE" altLang="de-DE" sz="1400" dirty="0">
                 <a:solidFill>
@@ -11953,6 +12145,16 @@
                 <a:cs typeface="Consolas" panose="020B0609020204030204" pitchFamily="49" charset="0"/>
               </a:rPr>
             </a:br>
+            <a:r>
+              <a:rPr lang="de-DE" altLang="de-DE" sz="1400" dirty="0">
+                <a:solidFill>
+                  <a:srgbClr val="000000"/>
+                </a:solidFill>
+                <a:latin typeface="Consolas" panose="020B0609020204030204" pitchFamily="49" charset="0"/>
+                <a:cs typeface="Consolas" panose="020B0609020204030204" pitchFamily="49" charset="0"/>
+              </a:rPr>
+              <a:t/>
+            </a:r>
             <a:br>
               <a:rPr lang="de-DE" altLang="de-DE" sz="1400" dirty="0">
                 <a:solidFill>
@@ -12277,6 +12479,16 @@
               <a:buClrTx/>
               <a:buNone/>
             </a:pPr>
+            <a:r>
+              <a:rPr lang="de-DE" altLang="de-DE" sz="1400" dirty="0">
+                <a:solidFill>
+                  <a:srgbClr val="000000"/>
+                </a:solidFill>
+                <a:latin typeface="Consolas" panose="020B0609020204030204" pitchFamily="49" charset="0"/>
+                <a:cs typeface="Consolas" panose="020B0609020204030204" pitchFamily="49" charset="0"/>
+              </a:rPr>
+              <a:t/>
+            </a:r>
             <a:br>
               <a:rPr lang="de-DE" altLang="de-DE" sz="1400" dirty="0">
                 <a:solidFill>
@@ -12823,6 +13035,13 @@
   <p:clrMapOvr>
     <a:masterClrMapping/>
   </p:clrMapOvr>
+  <p:timing>
+    <p:tnLst>
+      <p:par>
+        <p:cTn id="1" dur="indefinite" restart="never" nodeType="tmRoot"/>
+      </p:par>
+    </p:tnLst>
+  </p:timing>
 </p:sld>
 </file>
 
@@ -12969,6 +13188,13 @@
   <p:clrMapOvr>
     <a:masterClrMapping/>
   </p:clrMapOvr>
+  <p:timing>
+    <p:tnLst>
+      <p:par>
+        <p:cTn id="1" dur="indefinite" restart="never" nodeType="tmRoot"/>
+      </p:par>
+    </p:tnLst>
+  </p:timing>
 </p:sld>
 </file>
 
@@ -13089,6 +13315,16 @@
                 <a:cs typeface="Consolas" panose="020B0609020204030204" pitchFamily="49" charset="0"/>
               </a:rPr>
             </a:br>
+            <a:r>
+              <a:rPr lang="de-DE" altLang="de-DE" sz="1600" dirty="0">
+                <a:solidFill>
+                  <a:srgbClr val="000000"/>
+                </a:solidFill>
+                <a:latin typeface="Consolas" panose="020B0609020204030204" pitchFamily="49" charset="0"/>
+                <a:cs typeface="Consolas" panose="020B0609020204030204" pitchFamily="49" charset="0"/>
+              </a:rPr>
+              <a:t/>
+            </a:r>
             <a:br>
               <a:rPr lang="de-DE" altLang="de-DE" sz="1600" dirty="0">
                 <a:solidFill>
@@ -13157,6 +13393,16 @@
                 <a:cs typeface="Consolas" panose="020B0609020204030204" pitchFamily="49" charset="0"/>
               </a:rPr>
             </a:br>
+            <a:r>
+              <a:rPr lang="de-DE" altLang="de-DE" sz="1600" dirty="0">
+                <a:solidFill>
+                  <a:srgbClr val="000000"/>
+                </a:solidFill>
+                <a:latin typeface="Consolas" panose="020B0609020204030204" pitchFamily="49" charset="0"/>
+                <a:cs typeface="Consolas" panose="020B0609020204030204" pitchFamily="49" charset="0"/>
+              </a:rPr>
+              <a:t/>
+            </a:r>
             <a:br>
               <a:rPr lang="de-DE" altLang="de-DE" sz="1600" dirty="0">
                 <a:solidFill>
@@ -13205,6 +13451,16 @@
                 <a:cs typeface="Consolas" panose="020B0609020204030204" pitchFamily="49" charset="0"/>
               </a:rPr>
             </a:br>
+            <a:r>
+              <a:rPr lang="de-DE" altLang="de-DE" sz="1600" dirty="0">
+                <a:solidFill>
+                  <a:srgbClr val="000000"/>
+                </a:solidFill>
+                <a:latin typeface="Consolas" panose="020B0609020204030204" pitchFamily="49" charset="0"/>
+                <a:cs typeface="Consolas" panose="020B0609020204030204" pitchFamily="49" charset="0"/>
+              </a:rPr>
+              <a:t/>
+            </a:r>
             <a:br>
               <a:rPr lang="de-DE" altLang="de-DE" sz="1600" dirty="0">
                 <a:solidFill>
@@ -13341,6 +13597,16 @@
                 <a:cs typeface="Consolas" panose="020B0609020204030204" pitchFamily="49" charset="0"/>
               </a:rPr>
             </a:br>
+            <a:r>
+              <a:rPr lang="de-DE" altLang="de-DE" sz="1600" dirty="0">
+                <a:solidFill>
+                  <a:srgbClr val="000000"/>
+                </a:solidFill>
+                <a:latin typeface="Consolas" panose="020B0609020204030204" pitchFamily="49" charset="0"/>
+                <a:cs typeface="Consolas" panose="020B0609020204030204" pitchFamily="49" charset="0"/>
+              </a:rPr>
+              <a:t/>
+            </a:r>
             <a:br>
               <a:rPr lang="de-DE" altLang="de-DE" sz="1600" dirty="0">
                 <a:solidFill>
@@ -13389,6 +13655,16 @@
                 <a:cs typeface="Consolas" panose="020B0609020204030204" pitchFamily="49" charset="0"/>
               </a:rPr>
             </a:br>
+            <a:r>
+              <a:rPr lang="de-DE" altLang="de-DE" sz="1600" dirty="0">
+                <a:solidFill>
+                  <a:srgbClr val="000000"/>
+                </a:solidFill>
+                <a:latin typeface="Consolas" panose="020B0609020204030204" pitchFamily="49" charset="0"/>
+                <a:cs typeface="Consolas" panose="020B0609020204030204" pitchFamily="49" charset="0"/>
+              </a:rPr>
+              <a:t/>
+            </a:r>
             <a:br>
               <a:rPr lang="de-DE" altLang="de-DE" sz="1600" dirty="0">
                 <a:solidFill>
@@ -13475,6 +13751,13 @@
   <p:clrMapOvr>
     <a:masterClrMapping/>
   </p:clrMapOvr>
+  <p:timing>
+    <p:tnLst>
+      <p:par>
+        <p:cTn id="1" dur="indefinite" restart="never" nodeType="tmRoot"/>
+      </p:par>
+    </p:tnLst>
+  </p:timing>
 </p:sld>
 </file>
 
@@ -13659,6 +13942,16 @@
                 <a:cs typeface="Consolas" panose="020B0609020204030204" pitchFamily="49" charset="0"/>
               </a:rPr>
             </a:br>
+            <a:r>
+              <a:rPr lang="de-DE" altLang="de-DE" sz="1600" dirty="0">
+                <a:solidFill>
+                  <a:srgbClr val="000000"/>
+                </a:solidFill>
+                <a:latin typeface="Consolas" panose="020B0609020204030204" pitchFamily="49" charset="0"/>
+                <a:cs typeface="Consolas" panose="020B0609020204030204" pitchFamily="49" charset="0"/>
+              </a:rPr>
+              <a:t/>
+            </a:r>
             <a:br>
               <a:rPr lang="de-DE" altLang="de-DE" sz="1600" dirty="0">
                 <a:solidFill>
@@ -13945,6 +14238,16 @@
                 <a:cs typeface="Consolas" panose="020B0609020204030204" pitchFamily="49" charset="0"/>
               </a:rPr>
             </a:br>
+            <a:r>
+              <a:rPr lang="de-DE" altLang="de-DE" sz="1600" dirty="0">
+                <a:solidFill>
+                  <a:srgbClr val="000000"/>
+                </a:solidFill>
+                <a:latin typeface="Consolas" panose="020B0609020204030204" pitchFamily="49" charset="0"/>
+                <a:cs typeface="Consolas" panose="020B0609020204030204" pitchFamily="49" charset="0"/>
+              </a:rPr>
+              <a:t/>
+            </a:r>
             <a:br>
               <a:rPr lang="de-DE" altLang="de-DE" sz="1600" dirty="0">
                 <a:solidFill>
@@ -14532,6 +14835,13 @@
   <p:clrMapOvr>
     <a:masterClrMapping/>
   </p:clrMapOvr>
+  <p:timing>
+    <p:tnLst>
+      <p:par>
+        <p:cTn id="1" dur="indefinite" restart="never" nodeType="tmRoot"/>
+      </p:par>
+    </p:tnLst>
+  </p:timing>
 </p:sld>
 </file>
 
@@ -14726,6 +15036,16 @@
                 <a:cs typeface="Consolas" panose="020B0609020204030204" pitchFamily="49" charset="0"/>
               </a:rPr>
             </a:br>
+            <a:r>
+              <a:rPr lang="de-DE" altLang="de-DE" sz="1600" dirty="0">
+                <a:solidFill>
+                  <a:srgbClr val="000000"/>
+                </a:solidFill>
+                <a:latin typeface="Consolas" panose="020B0609020204030204" pitchFamily="49" charset="0"/>
+                <a:cs typeface="Consolas" panose="020B0609020204030204" pitchFamily="49" charset="0"/>
+              </a:rPr>
+              <a:t/>
+            </a:r>
             <a:br>
               <a:rPr lang="de-DE" altLang="de-DE" sz="1600" dirty="0">
                 <a:solidFill>
@@ -15263,6 +15583,13 @@
   <p:clrMapOvr>
     <a:masterClrMapping/>
   </p:clrMapOvr>
+  <p:timing>
+    <p:tnLst>
+      <p:par>
+        <p:cTn id="1" dur="indefinite" restart="never" nodeType="tmRoot"/>
+      </p:par>
+    </p:tnLst>
+  </p:timing>
 </p:sld>
 </file>
 
@@ -15584,6 +15911,13 @@
   <p:clrMapOvr>
     <a:masterClrMapping/>
   </p:clrMapOvr>
+  <p:timing>
+    <p:tnLst>
+      <p:par>
+        <p:cTn id="1" dur="indefinite" restart="never" nodeType="tmRoot"/>
+      </p:par>
+    </p:tnLst>
+  </p:timing>
 </p:sld>
 </file>
 
@@ -15709,6 +16043,16 @@
                 <a:cs typeface="Consolas" panose="020B0609020204030204" pitchFamily="49" charset="0"/>
               </a:rPr>
             </a:br>
+            <a:r>
+              <a:rPr lang="de-DE" altLang="de-DE" sz="1600" dirty="0">
+                <a:solidFill>
+                  <a:srgbClr val="000000"/>
+                </a:solidFill>
+                <a:latin typeface="Consolas" panose="020B0609020204030204" pitchFamily="49" charset="0"/>
+                <a:cs typeface="Consolas" panose="020B0609020204030204" pitchFamily="49" charset="0"/>
+              </a:rPr>
+              <a:t/>
+            </a:r>
             <a:br>
               <a:rPr lang="de-DE" altLang="de-DE" sz="1600" dirty="0">
                 <a:solidFill>
@@ -15777,6 +16121,16 @@
                 <a:cs typeface="Consolas" panose="020B0609020204030204" pitchFamily="49" charset="0"/>
               </a:rPr>
             </a:br>
+            <a:r>
+              <a:rPr lang="de-DE" altLang="de-DE" sz="1600" dirty="0">
+                <a:solidFill>
+                  <a:srgbClr val="000000"/>
+                </a:solidFill>
+                <a:latin typeface="Consolas" panose="020B0609020204030204" pitchFamily="49" charset="0"/>
+                <a:cs typeface="Consolas" panose="020B0609020204030204" pitchFamily="49" charset="0"/>
+              </a:rPr>
+              <a:t/>
+            </a:r>
             <a:br>
               <a:rPr lang="de-DE" altLang="de-DE" sz="1600" dirty="0">
                 <a:solidFill>
@@ -15825,6 +16179,16 @@
                 <a:cs typeface="Consolas" panose="020B0609020204030204" pitchFamily="49" charset="0"/>
               </a:rPr>
             </a:br>
+            <a:r>
+              <a:rPr lang="de-DE" altLang="de-DE" sz="1600" dirty="0">
+                <a:solidFill>
+                  <a:srgbClr val="000000"/>
+                </a:solidFill>
+                <a:latin typeface="Consolas" panose="020B0609020204030204" pitchFamily="49" charset="0"/>
+                <a:cs typeface="Consolas" panose="020B0609020204030204" pitchFamily="49" charset="0"/>
+              </a:rPr>
+              <a:t/>
+            </a:r>
             <a:br>
               <a:rPr lang="de-DE" altLang="de-DE" sz="1600" dirty="0">
                 <a:solidFill>
@@ -16578,6 +16942,16 @@
                 <a:cs typeface="Consolas" panose="020B0609020204030204" pitchFamily="49" charset="0"/>
               </a:rPr>
             </a:br>
+            <a:r>
+              <a:rPr lang="de-DE" altLang="de-DE" sz="1600" dirty="0">
+                <a:solidFill>
+                  <a:srgbClr val="000000"/>
+                </a:solidFill>
+                <a:latin typeface="Consolas" panose="020B0609020204030204" pitchFamily="49" charset="0"/>
+                <a:cs typeface="Consolas" panose="020B0609020204030204" pitchFamily="49" charset="0"/>
+              </a:rPr>
+              <a:t/>
+            </a:r>
             <a:br>
               <a:rPr lang="de-DE" altLang="de-DE" sz="1600" dirty="0">
                 <a:solidFill>
@@ -16626,6 +17000,16 @@
                 <a:cs typeface="Consolas" panose="020B0609020204030204" pitchFamily="49" charset="0"/>
               </a:rPr>
             </a:br>
+            <a:r>
+              <a:rPr lang="de-DE" altLang="de-DE" sz="1600" dirty="0">
+                <a:solidFill>
+                  <a:srgbClr val="000000"/>
+                </a:solidFill>
+                <a:latin typeface="Consolas" panose="020B0609020204030204" pitchFamily="49" charset="0"/>
+                <a:cs typeface="Consolas" panose="020B0609020204030204" pitchFamily="49" charset="0"/>
+              </a:rPr>
+              <a:t/>
+            </a:r>
             <a:br>
               <a:rPr lang="de-DE" altLang="de-DE" sz="1600" dirty="0">
                 <a:solidFill>
@@ -16709,6 +17093,13 @@
   <p:clrMapOvr>
     <a:masterClrMapping/>
   </p:clrMapOvr>
+  <p:timing>
+    <p:tnLst>
+      <p:par>
+        <p:cTn id="1" dur="indefinite" restart="never" nodeType="tmRoot"/>
+      </p:par>
+    </p:tnLst>
+  </p:timing>
 </p:sld>
 </file>
 
@@ -16904,6 +17295,16 @@
                 <a:cs typeface="Consolas" panose="020B0609020204030204" pitchFamily="49" charset="0"/>
               </a:rPr>
             </a:br>
+            <a:r>
+              <a:rPr lang="de-DE" altLang="de-DE" sz="1600" dirty="0">
+                <a:solidFill>
+                  <a:srgbClr val="000000"/>
+                </a:solidFill>
+                <a:latin typeface="Consolas" panose="020B0609020204030204" pitchFamily="49" charset="0"/>
+                <a:cs typeface="Consolas" panose="020B0609020204030204" pitchFamily="49" charset="0"/>
+              </a:rPr>
+              <a:t/>
+            </a:r>
             <a:br>
               <a:rPr lang="de-DE" altLang="de-DE" sz="1600" dirty="0">
                 <a:solidFill>
@@ -17090,6 +17491,16 @@
                 <a:cs typeface="Consolas" panose="020B0609020204030204" pitchFamily="49" charset="0"/>
               </a:rPr>
             </a:br>
+            <a:r>
+              <a:rPr lang="de-DE" altLang="de-DE" sz="1600" dirty="0">
+                <a:solidFill>
+                  <a:srgbClr val="000000"/>
+                </a:solidFill>
+                <a:latin typeface="Consolas" panose="020B0609020204030204" pitchFamily="49" charset="0"/>
+                <a:cs typeface="Consolas" panose="020B0609020204030204" pitchFamily="49" charset="0"/>
+              </a:rPr>
+              <a:t/>
+            </a:r>
             <a:br>
               <a:rPr lang="de-DE" altLang="de-DE" sz="1600" dirty="0">
                 <a:solidFill>
@@ -17648,6 +18059,13 @@
   <p:clrMapOvr>
     <a:masterClrMapping/>
   </p:clrMapOvr>
+  <p:timing>
+    <p:tnLst>
+      <p:par>
+        <p:cTn id="1" dur="indefinite" restart="never" nodeType="tmRoot"/>
+      </p:par>
+    </p:tnLst>
+  </p:timing>
 </p:sld>
 </file>
 

--- a/slides/Tag-2_2-Bestandteile_Components.pptx
+++ b/slides/Tag-2_2-Bestandteile_Components.pptx
@@ -5104,7 +5104,7 @@
               <a:pPr algn="ctr">
                 <a:defRPr/>
               </a:pPr>
-              <a:t>25.05.2021</a:t>
+              <a:t>03.02.2023</a:t>
             </a:fld>
             <a:endParaRPr lang="de-DE" sz="1000" dirty="0">
               <a:solidFill>
@@ -5562,30 +5562,6 @@
           </a:p>
         </p:txBody>
       </p:sp>
-      <p:pic>
-        <p:nvPicPr>
-          <p:cNvPr id="14" name="Grafik 13" descr="logoGFU.jpg"/>
-          <p:cNvPicPr>
-            <a:picLocks noChangeAspect="1"/>
-          </p:cNvPicPr>
-          <p:nvPr/>
-        </p:nvPicPr>
-        <p:blipFill>
-          <a:blip r:embed="rId16" cstate="print"/>
-          <a:stretch>
-            <a:fillRect/>
-          </a:stretch>
-        </p:blipFill>
-        <p:spPr>
-          <a:xfrm>
-            <a:off x="6805628" y="572040"/>
-            <a:ext cx="1785950" cy="385205"/>
-          </a:xfrm>
-          <a:prstGeom prst="rect">
-            <a:avLst/>
-          </a:prstGeom>
-        </p:spPr>
-      </p:pic>
       <p:sp>
         <p:nvSpPr>
           <p:cNvPr id="15" name="Text Box 24"/>
@@ -5680,13 +5656,22 @@
               <a:defRPr/>
             </a:pPr>
             <a:r>
-              <a:rPr lang="de-DE" sz="1000" dirty="0" smtClean="0">
+              <a:rPr lang="de-DE" sz="1000" dirty="0">
                 <a:solidFill>
                   <a:schemeClr val="bg1"/>
                 </a:solidFill>
                 <a:latin typeface="Arial" charset="0"/>
               </a:rPr>
-              <a:t>Patrick Möbius</a:t>
+              <a:t>Patrick </a:t>
+            </a:r>
+            <a:r>
+              <a:rPr lang="de-DE" sz="1000" dirty="0" err="1">
+                <a:solidFill>
+                  <a:schemeClr val="bg1"/>
+                </a:solidFill>
+                <a:latin typeface="Arial" charset="0"/>
+              </a:rPr>
+              <a:t>Ungewiß</a:t>
             </a:r>
             <a:endParaRPr lang="de-DE" sz="1000" dirty="0">
               <a:solidFill>
@@ -7157,13 +7142,6 @@
   <p:clrMapOvr>
     <a:masterClrMapping/>
   </p:clrMapOvr>
-  <p:timing>
-    <p:tnLst>
-      <p:par>
-        <p:cTn id="1" dur="indefinite" restart="never" nodeType="tmRoot"/>
-      </p:par>
-    </p:tnLst>
-  </p:timing>
 </p:sld>
 </file>
 
@@ -7359,16 +7337,6 @@
                 <a:cs typeface="Consolas" panose="020B0609020204030204" pitchFamily="49" charset="0"/>
               </a:rPr>
             </a:br>
-            <a:r>
-              <a:rPr lang="de-DE" altLang="de-DE" sz="1600" dirty="0">
-                <a:solidFill>
-                  <a:srgbClr val="000000"/>
-                </a:solidFill>
-                <a:latin typeface="Consolas" panose="020B0609020204030204" pitchFamily="49" charset="0"/>
-                <a:cs typeface="Consolas" panose="020B0609020204030204" pitchFamily="49" charset="0"/>
-              </a:rPr>
-              <a:t/>
-            </a:r>
             <a:br>
               <a:rPr lang="de-DE" altLang="de-DE" sz="1600" dirty="0">
                 <a:solidFill>
@@ -7555,16 +7523,6 @@
                 <a:cs typeface="Consolas" panose="020B0609020204030204" pitchFamily="49" charset="0"/>
               </a:rPr>
             </a:br>
-            <a:r>
-              <a:rPr lang="de-DE" altLang="de-DE" sz="1600" dirty="0">
-                <a:solidFill>
-                  <a:srgbClr val="000000"/>
-                </a:solidFill>
-                <a:latin typeface="Consolas" panose="020B0609020204030204" pitchFamily="49" charset="0"/>
-                <a:cs typeface="Consolas" panose="020B0609020204030204" pitchFamily="49" charset="0"/>
-              </a:rPr>
-              <a:t/>
-            </a:r>
             <a:br>
               <a:rPr lang="de-DE" altLang="de-DE" sz="1600" dirty="0">
                 <a:solidFill>
@@ -8123,13 +8081,6 @@
   <p:clrMapOvr>
     <a:masterClrMapping/>
   </p:clrMapOvr>
-  <p:timing>
-    <p:tnLst>
-      <p:par>
-        <p:cTn id="1" dur="indefinite" restart="never" nodeType="tmRoot"/>
-      </p:par>
-    </p:tnLst>
-  </p:timing>
 </p:sld>
 </file>
 
@@ -8255,16 +8206,6 @@
                 <a:cs typeface="Consolas" panose="020B0609020204030204" pitchFamily="49" charset="0"/>
               </a:rPr>
             </a:br>
-            <a:r>
-              <a:rPr lang="de-DE" altLang="de-DE" sz="1600" dirty="0">
-                <a:solidFill>
-                  <a:srgbClr val="000000"/>
-                </a:solidFill>
-                <a:latin typeface="Consolas" panose="020B0609020204030204" pitchFamily="49" charset="0"/>
-                <a:cs typeface="Consolas" panose="020B0609020204030204" pitchFamily="49" charset="0"/>
-              </a:rPr>
-              <a:t/>
-            </a:r>
             <a:br>
               <a:rPr lang="de-DE" altLang="de-DE" sz="1600" dirty="0">
                 <a:solidFill>
@@ -8333,16 +8274,6 @@
                 <a:cs typeface="Consolas" panose="020B0609020204030204" pitchFamily="49" charset="0"/>
               </a:rPr>
             </a:br>
-            <a:r>
-              <a:rPr lang="de-DE" altLang="de-DE" sz="1600" dirty="0">
-                <a:solidFill>
-                  <a:srgbClr val="000000"/>
-                </a:solidFill>
-                <a:latin typeface="Consolas" panose="020B0609020204030204" pitchFamily="49" charset="0"/>
-                <a:cs typeface="Consolas" panose="020B0609020204030204" pitchFamily="49" charset="0"/>
-              </a:rPr>
-              <a:t/>
-            </a:r>
             <a:br>
               <a:rPr lang="de-DE" altLang="de-DE" sz="1600" dirty="0">
                 <a:solidFill>
@@ -8391,16 +8322,6 @@
                 <a:cs typeface="Consolas" panose="020B0609020204030204" pitchFamily="49" charset="0"/>
               </a:rPr>
             </a:br>
-            <a:r>
-              <a:rPr lang="de-DE" altLang="de-DE" sz="1600" dirty="0">
-                <a:solidFill>
-                  <a:srgbClr val="000000"/>
-                </a:solidFill>
-                <a:latin typeface="Consolas" panose="020B0609020204030204" pitchFamily="49" charset="0"/>
-                <a:cs typeface="Consolas" panose="020B0609020204030204" pitchFamily="49" charset="0"/>
-              </a:rPr>
-              <a:t/>
-            </a:r>
             <a:br>
               <a:rPr lang="de-DE" altLang="de-DE" sz="1600" dirty="0">
                 <a:solidFill>
@@ -8537,16 +8458,6 @@
                 <a:cs typeface="Consolas" panose="020B0609020204030204" pitchFamily="49" charset="0"/>
               </a:rPr>
             </a:br>
-            <a:r>
-              <a:rPr lang="de-DE" altLang="de-DE" sz="1600" dirty="0">
-                <a:solidFill>
-                  <a:srgbClr val="000000"/>
-                </a:solidFill>
-                <a:latin typeface="Consolas" panose="020B0609020204030204" pitchFamily="49" charset="0"/>
-                <a:cs typeface="Consolas" panose="020B0609020204030204" pitchFamily="49" charset="0"/>
-              </a:rPr>
-              <a:t/>
-            </a:r>
             <a:br>
               <a:rPr lang="de-DE" altLang="de-DE" sz="1600" dirty="0">
                 <a:solidFill>
@@ -8669,13 +8580,6 @@
   <p:clrMapOvr>
     <a:masterClrMapping/>
   </p:clrMapOvr>
-  <p:timing>
-    <p:tnLst>
-      <p:par>
-        <p:cTn id="1" dur="indefinite" restart="never" nodeType="tmRoot"/>
-      </p:par>
-    </p:tnLst>
-  </p:timing>
 </p:sld>
 </file>
 
@@ -8871,16 +8775,6 @@
                 <a:cs typeface="Consolas" panose="020B0609020204030204" pitchFamily="49" charset="0"/>
               </a:rPr>
             </a:br>
-            <a:r>
-              <a:rPr lang="de-DE" altLang="de-DE" sz="1600" dirty="0">
-                <a:solidFill>
-                  <a:srgbClr val="000000"/>
-                </a:solidFill>
-                <a:latin typeface="Consolas" panose="020B0609020204030204" pitchFamily="49" charset="0"/>
-                <a:cs typeface="Consolas" panose="020B0609020204030204" pitchFamily="49" charset="0"/>
-              </a:rPr>
-              <a:t/>
-            </a:r>
             <a:br>
               <a:rPr lang="de-DE" altLang="de-DE" sz="1600" dirty="0">
                 <a:solidFill>
@@ -9026,16 +8920,6 @@
                 <a:cs typeface="Consolas" panose="020B0609020204030204" pitchFamily="49" charset="0"/>
               </a:rPr>
               <a:t>// Gewünschte Komponenten einfügen</a:t>
-            </a:r>
-            <a:r>
-              <a:rPr lang="de-DE" altLang="de-DE" sz="1600" dirty="0">
-                <a:solidFill>
-                  <a:srgbClr val="000000"/>
-                </a:solidFill>
-                <a:latin typeface="Consolas" panose="020B0609020204030204" pitchFamily="49" charset="0"/>
-                <a:cs typeface="Consolas" panose="020B0609020204030204" pitchFamily="49" charset="0"/>
-              </a:rPr>
-              <a:t/>
             </a:r>
             <a:br>
               <a:rPr lang="de-DE" altLang="de-DE" sz="1600" dirty="0">
@@ -9119,13 +9003,6 @@
   <p:clrMapOvr>
     <a:masterClrMapping/>
   </p:clrMapOvr>
-  <p:timing>
-    <p:tnLst>
-      <p:par>
-        <p:cTn id="1" dur="indefinite" restart="never" nodeType="tmRoot"/>
-      </p:par>
-    </p:tnLst>
-  </p:timing>
 </p:sld>
 </file>
 
@@ -9335,13 +9212,6 @@
   <p:clrMapOvr>
     <a:masterClrMapping/>
   </p:clrMapOvr>
-  <p:timing>
-    <p:tnLst>
-      <p:par>
-        <p:cTn id="1" dur="indefinite" restart="never" nodeType="tmRoot"/>
-      </p:par>
-    </p:tnLst>
-  </p:timing>
 </p:sld>
 </file>
 
@@ -9805,16 +9675,6 @@
                 <a:cs typeface="Consolas" panose="020B0609020204030204" pitchFamily="49" charset="0"/>
               </a:rPr>
             </a:br>
-            <a:r>
-              <a:rPr lang="de-DE" altLang="de-DE" sz="1600" dirty="0">
-                <a:solidFill>
-                  <a:srgbClr val="000000"/>
-                </a:solidFill>
-                <a:latin typeface="Consolas" panose="020B0609020204030204" pitchFamily="49" charset="0"/>
-                <a:cs typeface="Consolas" panose="020B0609020204030204" pitchFamily="49" charset="0"/>
-              </a:rPr>
-              <a:t/>
-            </a:r>
             <a:br>
               <a:rPr lang="de-DE" altLang="de-DE" sz="1600" dirty="0">
                 <a:solidFill>
@@ -10288,13 +10148,6 @@
   <p:clrMapOvr>
     <a:masterClrMapping/>
   </p:clrMapOvr>
-  <p:timing>
-    <p:tnLst>
-      <p:par>
-        <p:cTn id="1" dur="indefinite" restart="never" nodeType="tmRoot"/>
-      </p:par>
-    </p:tnLst>
-  </p:timing>
 </p:sld>
 </file>
 
@@ -10820,13 +10673,6 @@
   <p:clrMapOvr>
     <a:masterClrMapping/>
   </p:clrMapOvr>
-  <p:timing>
-    <p:tnLst>
-      <p:par>
-        <p:cTn id="1" dur="indefinite" restart="never" nodeType="tmRoot"/>
-      </p:par>
-    </p:tnLst>
-  </p:timing>
 </p:sld>
 </file>
 
@@ -11319,16 +11165,6 @@
                 <a:cs typeface="Consolas" panose="020B0609020204030204" pitchFamily="49" charset="0"/>
               </a:rPr>
             </a:br>
-            <a:r>
-              <a:rPr lang="de-DE" altLang="de-DE" sz="1600" dirty="0">
-                <a:solidFill>
-                  <a:srgbClr val="000000"/>
-                </a:solidFill>
-                <a:latin typeface="Consolas" panose="020B0609020204030204" pitchFamily="49" charset="0"/>
-                <a:cs typeface="Consolas" panose="020B0609020204030204" pitchFamily="49" charset="0"/>
-              </a:rPr>
-              <a:t/>
-            </a:r>
             <a:br>
               <a:rPr lang="de-DE" altLang="de-DE" sz="1600" dirty="0">
                 <a:solidFill>
@@ -11357,16 +11193,6 @@
                 <a:cs typeface="Consolas" panose="020B0609020204030204" pitchFamily="49" charset="0"/>
               </a:rPr>
               <a:t>Override</a:t>
-            </a:r>
-            <a:r>
-              <a:rPr lang="de-DE" altLang="de-DE" sz="1600" dirty="0">
-                <a:solidFill>
-                  <a:srgbClr val="000000"/>
-                </a:solidFill>
-                <a:latin typeface="Consolas" panose="020B0609020204030204" pitchFamily="49" charset="0"/>
-                <a:cs typeface="Consolas" panose="020B0609020204030204" pitchFamily="49" charset="0"/>
-              </a:rPr>
-              <a:t/>
             </a:r>
             <a:br>
               <a:rPr lang="de-DE" altLang="de-DE" sz="1600" dirty="0">
@@ -11801,13 +11627,6 @@
   <p:clrMapOvr>
     <a:masterClrMapping/>
   </p:clrMapOvr>
-  <p:timing>
-    <p:tnLst>
-      <p:par>
-        <p:cTn id="1" dur="indefinite" restart="never" nodeType="tmRoot"/>
-      </p:par>
-    </p:tnLst>
-  </p:timing>
 </p:sld>
 </file>
 
@@ -12513,13 +12332,6 @@
   <p:clrMapOvr>
     <a:masterClrMapping/>
   </p:clrMapOvr>
-  <p:timing>
-    <p:tnLst>
-      <p:par>
-        <p:cTn id="1" dur="indefinite" restart="never" nodeType="tmRoot"/>
-      </p:par>
-    </p:tnLst>
-  </p:timing>
 </p:sld>
 </file>
 
@@ -12668,16 +12480,6 @@
               <a:buClrTx/>
               <a:buNone/>
             </a:pPr>
-            <a:r>
-              <a:rPr lang="de-DE" altLang="de-DE" sz="1400" dirty="0">
-                <a:solidFill>
-                  <a:srgbClr val="000000"/>
-                </a:solidFill>
-                <a:latin typeface="Consolas" panose="020B0609020204030204" pitchFamily="49" charset="0"/>
-                <a:cs typeface="Consolas" panose="020B0609020204030204" pitchFamily="49" charset="0"/>
-              </a:rPr>
-              <a:t/>
-            </a:r>
             <a:br>
               <a:rPr lang="de-DE" altLang="de-DE" sz="1400" dirty="0">
                 <a:solidFill>
@@ -12796,16 +12598,6 @@
                 <a:cs typeface="Consolas" panose="020B0609020204030204" pitchFamily="49" charset="0"/>
               </a:rPr>
             </a:br>
-            <a:r>
-              <a:rPr lang="de-DE" altLang="de-DE" sz="1400" dirty="0">
-                <a:solidFill>
-                  <a:srgbClr val="000000"/>
-                </a:solidFill>
-                <a:latin typeface="Consolas" panose="020B0609020204030204" pitchFamily="49" charset="0"/>
-                <a:cs typeface="Consolas" panose="020B0609020204030204" pitchFamily="49" charset="0"/>
-              </a:rPr>
-              <a:t/>
-            </a:r>
             <a:br>
               <a:rPr lang="de-DE" altLang="de-DE" sz="1400" dirty="0">
                 <a:solidFill>
@@ -12964,16 +12756,6 @@
                 <a:cs typeface="Consolas" panose="020B0609020204030204" pitchFamily="49" charset="0"/>
               </a:rPr>
             </a:br>
-            <a:r>
-              <a:rPr lang="de-DE" altLang="de-DE" sz="1400" dirty="0">
-                <a:solidFill>
-                  <a:srgbClr val="000000"/>
-                </a:solidFill>
-                <a:latin typeface="Consolas" panose="020B0609020204030204" pitchFamily="49" charset="0"/>
-                <a:cs typeface="Consolas" panose="020B0609020204030204" pitchFamily="49" charset="0"/>
-              </a:rPr>
-              <a:t/>
-            </a:r>
             <a:br>
               <a:rPr lang="de-DE" altLang="de-DE" sz="1400" dirty="0">
                 <a:solidFill>
@@ -13003,16 +12785,6 @@
               </a:rPr>
               <a:t>Override</a:t>
             </a:r>
-            <a:r>
-              <a:rPr lang="de-DE" altLang="de-DE" sz="1400" dirty="0">
-                <a:solidFill>
-                  <a:srgbClr val="000000"/>
-                </a:solidFill>
-                <a:latin typeface="Consolas" panose="020B0609020204030204" pitchFamily="49" charset="0"/>
-                <a:cs typeface="Consolas" panose="020B0609020204030204" pitchFamily="49" charset="0"/>
-              </a:rPr>
-              <a:t/>
-            </a:r>
             <a:br>
               <a:rPr lang="de-DE" altLang="de-DE" sz="1400" dirty="0">
                 <a:solidFill>
@@ -13299,16 +13071,6 @@
                 <a:cs typeface="Consolas" panose="020B0609020204030204" pitchFamily="49" charset="0"/>
               </a:rPr>
             </a:br>
-            <a:r>
-              <a:rPr lang="de-DE" altLang="de-DE" sz="1400" dirty="0">
-                <a:solidFill>
-                  <a:srgbClr val="000000"/>
-                </a:solidFill>
-                <a:latin typeface="Consolas" panose="020B0609020204030204" pitchFamily="49" charset="0"/>
-                <a:cs typeface="Consolas" panose="020B0609020204030204" pitchFamily="49" charset="0"/>
-              </a:rPr>
-              <a:t/>
-            </a:r>
             <a:br>
               <a:rPr lang="de-DE" altLang="de-DE" sz="1400" dirty="0">
                 <a:solidFill>
@@ -13633,16 +13395,6 @@
               <a:buClrTx/>
               <a:buNone/>
             </a:pPr>
-            <a:r>
-              <a:rPr lang="de-DE" altLang="de-DE" sz="1400" dirty="0">
-                <a:solidFill>
-                  <a:srgbClr val="000000"/>
-                </a:solidFill>
-                <a:latin typeface="Consolas" panose="020B0609020204030204" pitchFamily="49" charset="0"/>
-                <a:cs typeface="Consolas" panose="020B0609020204030204" pitchFamily="49" charset="0"/>
-              </a:rPr>
-              <a:t/>
-            </a:r>
             <a:br>
               <a:rPr lang="de-DE" altLang="de-DE" sz="1400" dirty="0">
                 <a:solidFill>
@@ -13824,13 +13576,6 @@
   <p:clrMapOvr>
     <a:masterClrMapping/>
   </p:clrMapOvr>
-  <p:timing>
-    <p:tnLst>
-      <p:par>
-        <p:cTn id="1" dur="indefinite" restart="never" nodeType="tmRoot"/>
-      </p:par>
-    </p:tnLst>
-  </p:timing>
 </p:sld>
 </file>
 
@@ -14284,13 +14029,6 @@
   <p:clrMapOvr>
     <a:masterClrMapping/>
   </p:clrMapOvr>
-  <p:timing>
-    <p:tnLst>
-      <p:par>
-        <p:cTn id="1" dur="indefinite" restart="never" nodeType="tmRoot"/>
-      </p:par>
-    </p:tnLst>
-  </p:timing>
 </p:sld>
 </file>
 
@@ -14437,13 +14175,6 @@
   <p:clrMapOvr>
     <a:masterClrMapping/>
   </p:clrMapOvr>
-  <p:timing>
-    <p:tnLst>
-      <p:par>
-        <p:cTn id="1" dur="indefinite" restart="never" nodeType="tmRoot"/>
-      </p:par>
-    </p:tnLst>
-  </p:timing>
 </p:sld>
 </file>
 
@@ -14564,16 +14295,6 @@
                 <a:cs typeface="Consolas" panose="020B0609020204030204" pitchFamily="49" charset="0"/>
               </a:rPr>
             </a:br>
-            <a:r>
-              <a:rPr lang="de-DE" altLang="de-DE" sz="1600" dirty="0">
-                <a:solidFill>
-                  <a:srgbClr val="000000"/>
-                </a:solidFill>
-                <a:latin typeface="Consolas" panose="020B0609020204030204" pitchFamily="49" charset="0"/>
-                <a:cs typeface="Consolas" panose="020B0609020204030204" pitchFamily="49" charset="0"/>
-              </a:rPr>
-              <a:t/>
-            </a:r>
             <a:br>
               <a:rPr lang="de-DE" altLang="de-DE" sz="1600" dirty="0">
                 <a:solidFill>
@@ -14642,16 +14363,6 @@
                 <a:cs typeface="Consolas" panose="020B0609020204030204" pitchFamily="49" charset="0"/>
               </a:rPr>
             </a:br>
-            <a:r>
-              <a:rPr lang="de-DE" altLang="de-DE" sz="1600" dirty="0">
-                <a:solidFill>
-                  <a:srgbClr val="000000"/>
-                </a:solidFill>
-                <a:latin typeface="Consolas" panose="020B0609020204030204" pitchFamily="49" charset="0"/>
-                <a:cs typeface="Consolas" panose="020B0609020204030204" pitchFamily="49" charset="0"/>
-              </a:rPr>
-              <a:t/>
-            </a:r>
             <a:br>
               <a:rPr lang="de-DE" altLang="de-DE" sz="1600" dirty="0">
                 <a:solidFill>
@@ -14700,16 +14411,6 @@
                 <a:cs typeface="Consolas" panose="020B0609020204030204" pitchFamily="49" charset="0"/>
               </a:rPr>
             </a:br>
-            <a:r>
-              <a:rPr lang="de-DE" altLang="de-DE" sz="1600" dirty="0">
-                <a:solidFill>
-                  <a:srgbClr val="000000"/>
-                </a:solidFill>
-                <a:latin typeface="Consolas" panose="020B0609020204030204" pitchFamily="49" charset="0"/>
-                <a:cs typeface="Consolas" panose="020B0609020204030204" pitchFamily="49" charset="0"/>
-              </a:rPr>
-              <a:t/>
-            </a:r>
             <a:br>
               <a:rPr lang="de-DE" altLang="de-DE" sz="1600" dirty="0">
                 <a:solidFill>
@@ -14846,16 +14547,6 @@
                 <a:cs typeface="Consolas" panose="020B0609020204030204" pitchFamily="49" charset="0"/>
               </a:rPr>
             </a:br>
-            <a:r>
-              <a:rPr lang="de-DE" altLang="de-DE" sz="1600" dirty="0">
-                <a:solidFill>
-                  <a:srgbClr val="000000"/>
-                </a:solidFill>
-                <a:latin typeface="Consolas" panose="020B0609020204030204" pitchFamily="49" charset="0"/>
-                <a:cs typeface="Consolas" panose="020B0609020204030204" pitchFamily="49" charset="0"/>
-              </a:rPr>
-              <a:t/>
-            </a:r>
             <a:br>
               <a:rPr lang="de-DE" altLang="de-DE" sz="1600" dirty="0">
                 <a:solidFill>
@@ -14904,16 +14595,6 @@
                 <a:cs typeface="Consolas" panose="020B0609020204030204" pitchFamily="49" charset="0"/>
               </a:rPr>
             </a:br>
-            <a:r>
-              <a:rPr lang="de-DE" altLang="de-DE" sz="1600" dirty="0">
-                <a:solidFill>
-                  <a:srgbClr val="000000"/>
-                </a:solidFill>
-                <a:latin typeface="Consolas" panose="020B0609020204030204" pitchFamily="49" charset="0"/>
-                <a:cs typeface="Consolas" panose="020B0609020204030204" pitchFamily="49" charset="0"/>
-              </a:rPr>
-              <a:t/>
-            </a:r>
             <a:br>
               <a:rPr lang="de-DE" altLang="de-DE" sz="1600" dirty="0">
                 <a:solidFill>
@@ -15000,13 +14681,6 @@
   <p:clrMapOvr>
     <a:masterClrMapping/>
   </p:clrMapOvr>
-  <p:timing>
-    <p:tnLst>
-      <p:par>
-        <p:cTn id="1" dur="indefinite" restart="never" nodeType="tmRoot"/>
-      </p:par>
-    </p:tnLst>
-  </p:timing>
 </p:sld>
 </file>
 
@@ -15191,16 +14865,6 @@
                 <a:cs typeface="Consolas" panose="020B0609020204030204" pitchFamily="49" charset="0"/>
               </a:rPr>
             </a:br>
-            <a:r>
-              <a:rPr lang="de-DE" altLang="de-DE" sz="1600" dirty="0">
-                <a:solidFill>
-                  <a:srgbClr val="000000"/>
-                </a:solidFill>
-                <a:latin typeface="Consolas" panose="020B0609020204030204" pitchFamily="49" charset="0"/>
-                <a:cs typeface="Consolas" panose="020B0609020204030204" pitchFamily="49" charset="0"/>
-              </a:rPr>
-              <a:t/>
-            </a:r>
             <a:br>
               <a:rPr lang="de-DE" altLang="de-DE" sz="1600" dirty="0">
                 <a:solidFill>
@@ -15487,16 +15151,6 @@
                 <a:cs typeface="Consolas" panose="020B0609020204030204" pitchFamily="49" charset="0"/>
               </a:rPr>
             </a:br>
-            <a:r>
-              <a:rPr lang="de-DE" altLang="de-DE" sz="1600" dirty="0">
-                <a:solidFill>
-                  <a:srgbClr val="000000"/>
-                </a:solidFill>
-                <a:latin typeface="Consolas" panose="020B0609020204030204" pitchFamily="49" charset="0"/>
-                <a:cs typeface="Consolas" panose="020B0609020204030204" pitchFamily="49" charset="0"/>
-              </a:rPr>
-              <a:t/>
-            </a:r>
             <a:br>
               <a:rPr lang="de-DE" altLang="de-DE" sz="1600" dirty="0">
                 <a:solidFill>
@@ -16084,13 +15738,6 @@
   <p:clrMapOvr>
     <a:masterClrMapping/>
   </p:clrMapOvr>
-  <p:timing>
-    <p:tnLst>
-      <p:par>
-        <p:cTn id="1" dur="indefinite" restart="never" nodeType="tmRoot"/>
-      </p:par>
-    </p:tnLst>
-  </p:timing>
 </p:sld>
 </file>
 
@@ -16285,16 +15932,6 @@
                 <a:cs typeface="Consolas" panose="020B0609020204030204" pitchFamily="49" charset="0"/>
               </a:rPr>
             </a:br>
-            <a:r>
-              <a:rPr lang="de-DE" altLang="de-DE" sz="1600" dirty="0">
-                <a:solidFill>
-                  <a:srgbClr val="000000"/>
-                </a:solidFill>
-                <a:latin typeface="Consolas" panose="020B0609020204030204" pitchFamily="49" charset="0"/>
-                <a:cs typeface="Consolas" panose="020B0609020204030204" pitchFamily="49" charset="0"/>
-              </a:rPr>
-              <a:t/>
-            </a:r>
             <a:br>
               <a:rPr lang="de-DE" altLang="de-DE" sz="1600" dirty="0">
                 <a:solidFill>
@@ -16832,13 +16469,6 @@
   <p:clrMapOvr>
     <a:masterClrMapping/>
   </p:clrMapOvr>
-  <p:timing>
-    <p:tnLst>
-      <p:par>
-        <p:cTn id="1" dur="indefinite" restart="never" nodeType="tmRoot"/>
-      </p:par>
-    </p:tnLst>
-  </p:timing>
 </p:sld>
 </file>
 
@@ -17160,13 +16790,6 @@
   <p:clrMapOvr>
     <a:masterClrMapping/>
   </p:clrMapOvr>
-  <p:timing>
-    <p:tnLst>
-      <p:par>
-        <p:cTn id="1" dur="indefinite" restart="never" nodeType="tmRoot"/>
-      </p:par>
-    </p:tnLst>
-  </p:timing>
 </p:sld>
 </file>
 
@@ -17292,16 +16915,6 @@
                 <a:cs typeface="Consolas" panose="020B0609020204030204" pitchFamily="49" charset="0"/>
               </a:rPr>
             </a:br>
-            <a:r>
-              <a:rPr lang="de-DE" altLang="de-DE" sz="1600" dirty="0">
-                <a:solidFill>
-                  <a:srgbClr val="000000"/>
-                </a:solidFill>
-                <a:latin typeface="Consolas" panose="020B0609020204030204" pitchFamily="49" charset="0"/>
-                <a:cs typeface="Consolas" panose="020B0609020204030204" pitchFamily="49" charset="0"/>
-              </a:rPr>
-              <a:t/>
-            </a:r>
             <a:br>
               <a:rPr lang="de-DE" altLang="de-DE" sz="1600" dirty="0">
                 <a:solidFill>
@@ -17370,16 +16983,6 @@
                 <a:cs typeface="Consolas" panose="020B0609020204030204" pitchFamily="49" charset="0"/>
               </a:rPr>
             </a:br>
-            <a:r>
-              <a:rPr lang="de-DE" altLang="de-DE" sz="1600" dirty="0">
-                <a:solidFill>
-                  <a:srgbClr val="000000"/>
-                </a:solidFill>
-                <a:latin typeface="Consolas" panose="020B0609020204030204" pitchFamily="49" charset="0"/>
-                <a:cs typeface="Consolas" panose="020B0609020204030204" pitchFamily="49" charset="0"/>
-              </a:rPr>
-              <a:t/>
-            </a:r>
             <a:br>
               <a:rPr lang="de-DE" altLang="de-DE" sz="1600" dirty="0">
                 <a:solidFill>
@@ -17428,16 +17031,6 @@
                 <a:cs typeface="Consolas" panose="020B0609020204030204" pitchFamily="49" charset="0"/>
               </a:rPr>
             </a:br>
-            <a:r>
-              <a:rPr lang="de-DE" altLang="de-DE" sz="1600" dirty="0">
-                <a:solidFill>
-                  <a:srgbClr val="000000"/>
-                </a:solidFill>
-                <a:latin typeface="Consolas" panose="020B0609020204030204" pitchFamily="49" charset="0"/>
-                <a:cs typeface="Consolas" panose="020B0609020204030204" pitchFamily="49" charset="0"/>
-              </a:rPr>
-              <a:t/>
-            </a:r>
             <a:br>
               <a:rPr lang="de-DE" altLang="de-DE" sz="1600" dirty="0">
                 <a:solidFill>
@@ -18191,16 +17784,6 @@
                 <a:cs typeface="Consolas" panose="020B0609020204030204" pitchFamily="49" charset="0"/>
               </a:rPr>
             </a:br>
-            <a:r>
-              <a:rPr lang="de-DE" altLang="de-DE" sz="1600" dirty="0">
-                <a:solidFill>
-                  <a:srgbClr val="000000"/>
-                </a:solidFill>
-                <a:latin typeface="Consolas" panose="020B0609020204030204" pitchFamily="49" charset="0"/>
-                <a:cs typeface="Consolas" panose="020B0609020204030204" pitchFamily="49" charset="0"/>
-              </a:rPr>
-              <a:t/>
-            </a:r>
             <a:br>
               <a:rPr lang="de-DE" altLang="de-DE" sz="1600" dirty="0">
                 <a:solidFill>
@@ -18249,16 +17832,6 @@
                 <a:cs typeface="Consolas" panose="020B0609020204030204" pitchFamily="49" charset="0"/>
               </a:rPr>
             </a:br>
-            <a:r>
-              <a:rPr lang="de-DE" altLang="de-DE" sz="1600" dirty="0">
-                <a:solidFill>
-                  <a:srgbClr val="000000"/>
-                </a:solidFill>
-                <a:latin typeface="Consolas" panose="020B0609020204030204" pitchFamily="49" charset="0"/>
-                <a:cs typeface="Consolas" panose="020B0609020204030204" pitchFamily="49" charset="0"/>
-              </a:rPr>
-              <a:t/>
-            </a:r>
             <a:br>
               <a:rPr lang="de-DE" altLang="de-DE" sz="1600" dirty="0">
                 <a:solidFill>
@@ -18342,13 +17915,6 @@
   <p:clrMapOvr>
     <a:masterClrMapping/>
   </p:clrMapOvr>
-  <p:timing>
-    <p:tnLst>
-      <p:par>
-        <p:cTn id="1" dur="indefinite" restart="never" nodeType="tmRoot"/>
-      </p:par>
-    </p:tnLst>
-  </p:timing>
 </p:sld>
 </file>
 

--- a/slides/Tag-2_2-Bestandteile_Components.pptx
+++ b/slides/Tag-2_2-Bestandteile_Components.pptx
@@ -5104,7 +5104,7 @@
               <a:pPr algn="ctr">
                 <a:defRPr/>
               </a:pPr>
-              <a:t>03.02.2023</a:t>
+              <a:t>10.02.2023</a:t>
             </a:fld>
             <a:endParaRPr lang="de-DE" sz="1000" dirty="0">
               <a:solidFill>
